--- a/06 XML- JSON- Web Scrapping- APIs/06_html_xml_json__web_scrap__apis.pptx
+++ b/06 XML- JSON- Web Scrapping- APIs/06_html_xml_json__web_scrap__apis.pptx
@@ -10,7 +10,11 @@
     <p:sldId id="563" r:id="rId4"/>
     <p:sldId id="545" r:id="rId5"/>
     <p:sldId id="473" r:id="rId6"/>
-    <p:sldId id="562" r:id="rId7"/>
+    <p:sldId id="566" r:id="rId7"/>
+    <p:sldId id="564" r:id="rId8"/>
+    <p:sldId id="565" r:id="rId9"/>
+    <p:sldId id="568" r:id="rId10"/>
+    <p:sldId id="562" r:id="rId11"/>
   </p:sldIdLst>
   <p:sldSz cx="9144000" cy="6858000" type="screen4x3"/>
   <p:notesSz cx="6858000" cy="9144000"/>
@@ -5009,6 +5013,504 @@
 </p:sld>
 </file>
 
+<file path=ppt/slides/slide10.xml><?xml version="1.0" encoding="utf-8"?>
+<p:sld xmlns:a="http://schemas.openxmlformats.org/drawingml/2006/main" xmlns:r="http://schemas.openxmlformats.org/officeDocument/2006/relationships" xmlns:p="http://schemas.openxmlformats.org/presentationml/2006/main">
+  <p:cSld>
+    <p:spTree>
+      <p:nvGrpSpPr>
+        <p:cNvPr id="1" name=""/>
+        <p:cNvGrpSpPr/>
+        <p:nvPr/>
+      </p:nvGrpSpPr>
+      <p:grpSpPr>
+        <a:xfrm>
+          <a:off x="0" y="0"/>
+          <a:ext cx="0" cy="0"/>
+          <a:chOff x="0" y="0"/>
+          <a:chExt cx="0" cy="0"/>
+        </a:xfrm>
+      </p:grpSpPr>
+      <p:sp>
+        <p:nvSpPr>
+          <p:cNvPr id="2" name="Title 1"/>
+          <p:cNvSpPr>
+            <a:spLocks noGrp="1"/>
+          </p:cNvSpPr>
+          <p:nvPr>
+            <p:ph type="title"/>
+          </p:nvPr>
+        </p:nvSpPr>
+        <p:spPr>
+          <a:xfrm>
+            <a:off x="0" y="76200"/>
+            <a:ext cx="9144000" cy="1143000"/>
+          </a:xfrm>
+        </p:spPr>
+        <p:txBody>
+          <a:bodyPr anchor="ctr">
+            <a:normAutofit/>
+          </a:bodyPr>
+          <a:lstStyle/>
+          <a:p>
+            <a:pPr algn="ctr"/>
+            <a:r>
+              <a:rPr lang="en-US" dirty="0">
+                <a:latin typeface="Arial Unicode MS" panose="020B0604020202020204" pitchFamily="34" charset="-128"/>
+                <a:ea typeface="Arial Unicode MS" panose="020B0604020202020204" pitchFamily="34" charset="-128"/>
+                <a:cs typeface="Arial Unicode MS" panose="020B0604020202020204" pitchFamily="34" charset="-128"/>
+              </a:rPr>
+              <a:t>Some references on APIs in R (cont.)</a:t>
+            </a:r>
+            <a:endParaRPr lang="en-US" sz="3600" b="1" dirty="0">
+              <a:latin typeface="Arial Unicode MS" panose="020B0604020202020204" pitchFamily="34" charset="-128"/>
+              <a:ea typeface="Arial Unicode MS" panose="020B0604020202020204" pitchFamily="34" charset="-128"/>
+              <a:cs typeface="Arial Unicode MS" panose="020B0604020202020204" pitchFamily="34" charset="-128"/>
+            </a:endParaRPr>
+          </a:p>
+        </p:txBody>
+      </p:sp>
+      <p:sp>
+        <p:nvSpPr>
+          <p:cNvPr id="7" name="Text Placeholder 2"/>
+          <p:cNvSpPr txBox="1">
+            <a:spLocks/>
+          </p:cNvSpPr>
+          <p:nvPr/>
+        </p:nvSpPr>
+        <p:spPr>
+          <a:xfrm>
+            <a:off x="685800" y="1066800"/>
+            <a:ext cx="8382000" cy="5867400"/>
+          </a:xfrm>
+          <a:prstGeom prst="rect">
+            <a:avLst/>
+          </a:prstGeom>
+        </p:spPr>
+        <p:txBody>
+          <a:bodyPr>
+            <a:normAutofit fontScale="62500" lnSpcReduction="20000"/>
+          </a:bodyPr>
+          <a:lstStyle>
+            <a:lvl1pPr marL="365760" indent="-283464" algn="l" eaLnBrk="1" latinLnBrk="0" hangingPunct="1">
+              <a:lnSpc>
+                <a:spcPct val="100000"/>
+              </a:lnSpc>
+              <a:spcBef>
+                <a:spcPts val="600"/>
+              </a:spcBef>
+              <a:buClr>
+                <a:schemeClr val="accent1"/>
+              </a:buClr>
+              <a:buSzPct val="80000"/>
+              <a:buFont typeface="Wingdings 2"/>
+              <a:buChar char=""/>
+              <a:defRPr kumimoji="0" sz="3000">
+                <a:latin typeface="+mn-lt"/>
+              </a:defRPr>
+            </a:lvl1pPr>
+            <a:lvl2pPr marL="640080" lvl="1" indent="-237744" algn="l" eaLnBrk="1" latinLnBrk="0" hangingPunct="1">
+              <a:lnSpc>
+                <a:spcPct val="100000"/>
+              </a:lnSpc>
+              <a:spcBef>
+                <a:spcPts val="550"/>
+              </a:spcBef>
+              <a:buClr>
+                <a:schemeClr val="accent1"/>
+              </a:buClr>
+              <a:buFont typeface="Verdana"/>
+              <a:buChar char="◦"/>
+              <a:defRPr kumimoji="0" sz="2600">
+                <a:latin typeface="+mn-lt"/>
+              </a:defRPr>
+            </a:lvl2pPr>
+            <a:lvl3pPr marL="886968" indent="-228600" algn="l" eaLnBrk="1" latinLnBrk="0" hangingPunct="1">
+              <a:lnSpc>
+                <a:spcPct val="100000"/>
+              </a:lnSpc>
+              <a:buClr>
+                <a:schemeClr val="accent2"/>
+              </a:buClr>
+              <a:buFont typeface="Wingdings 2"/>
+              <a:buChar char=""/>
+              <a:defRPr kumimoji="0" sz="2400">
+                <a:latin typeface="+mn-lt"/>
+              </a:defRPr>
+            </a:lvl3pPr>
+            <a:lvl4pPr marL="1097280" indent="-173736" algn="l" eaLnBrk="1" latinLnBrk="0" hangingPunct="1">
+              <a:lnSpc>
+                <a:spcPct val="100000"/>
+              </a:lnSpc>
+              <a:buClr>
+                <a:schemeClr val="accent3"/>
+              </a:buClr>
+              <a:buFont typeface="Wingdings 2"/>
+              <a:buChar char=""/>
+              <a:defRPr kumimoji="0" sz="2000">
+                <a:latin typeface="+mn-lt"/>
+              </a:defRPr>
+            </a:lvl4pPr>
+            <a:lvl5pPr marL="1298448" indent="-182880" algn="l" eaLnBrk="1" latinLnBrk="0" hangingPunct="1">
+              <a:lnSpc>
+                <a:spcPct val="100000"/>
+              </a:lnSpc>
+              <a:buClr>
+                <a:schemeClr val="accent4"/>
+              </a:buClr>
+              <a:buFont typeface="Wingdings 2"/>
+              <a:buChar char=""/>
+              <a:defRPr kumimoji="0" sz="2000">
+                <a:latin typeface="+mn-lt"/>
+              </a:defRPr>
+            </a:lvl5pPr>
+            <a:lvl6pPr marL="1508760" indent="-182880">
+              <a:lnSpc>
+                <a:spcPct val="100000"/>
+              </a:lnSpc>
+              <a:spcBef>
+                <a:spcPct val="20000"/>
+              </a:spcBef>
+              <a:buClr>
+                <a:schemeClr val="accent5"/>
+              </a:buClr>
+              <a:buFont typeface="Wingdings 2"/>
+              <a:buChar char=""/>
+              <a:defRPr kumimoji="0" sz="2000">
+                <a:latin typeface="+mn-lt"/>
+              </a:defRPr>
+            </a:lvl6pPr>
+            <a:lvl7pPr marL="1719072" indent="-182880">
+              <a:lnSpc>
+                <a:spcPct val="100000"/>
+              </a:lnSpc>
+              <a:spcBef>
+                <a:spcPct val="20000"/>
+              </a:spcBef>
+              <a:buClr>
+                <a:schemeClr val="accent6"/>
+              </a:buClr>
+              <a:buFont typeface="Wingdings 2"/>
+              <a:buChar char=""/>
+              <a:defRPr kumimoji="0" sz="2000">
+                <a:latin typeface="+mn-lt"/>
+              </a:defRPr>
+            </a:lvl7pPr>
+            <a:lvl8pPr marL="1920240" indent="-182880">
+              <a:lnSpc>
+                <a:spcPct val="100000"/>
+              </a:lnSpc>
+              <a:spcBef>
+                <a:spcPct val="20000"/>
+              </a:spcBef>
+              <a:buClr>
+                <a:schemeClr val="accent6"/>
+              </a:buClr>
+              <a:buFont typeface="Wingdings 2"/>
+              <a:buChar char=""/>
+              <a:defRPr kumimoji="0" sz="2000">
+                <a:latin typeface="+mn-lt"/>
+              </a:defRPr>
+            </a:lvl8pPr>
+            <a:lvl9pPr marL="2130552" indent="-182880">
+              <a:lnSpc>
+                <a:spcPct val="100000"/>
+              </a:lnSpc>
+              <a:spcBef>
+                <a:spcPct val="20000"/>
+              </a:spcBef>
+              <a:buClr>
+                <a:schemeClr val="accent6"/>
+              </a:buClr>
+              <a:buFont typeface="Wingdings 2"/>
+              <a:buChar char=""/>
+              <a:defRPr kumimoji="0" sz="2000">
+                <a:latin typeface="+mn-lt"/>
+              </a:defRPr>
+            </a:lvl9pPr>
+            <a:extLst/>
+          </a:lstStyle>
+          <a:p>
+            <a:pPr>
+              <a:lnSpc>
+                <a:spcPct val="120000"/>
+              </a:lnSpc>
+            </a:pPr>
+            <a:r>
+              <a:rPr lang="en-US" dirty="0">
+                <a:latin typeface="Avenir Medium"/>
+              </a:rPr>
+              <a:t>R Studio Webinars - 31-Web-APIs </a:t>
+            </a:r>
+            <a:r>
+              <a:rPr lang="en-US" dirty="0">
+                <a:latin typeface="Avenir Medium"/>
+                <a:cs typeface="Avenir Medium"/>
+                <a:hlinkClick r:id="rId2"/>
+              </a:rPr>
+              <a:t>https://github.com/rstudio/webinars/tree/master/31-Web-APIs</a:t>
+            </a:r>
+            <a:endParaRPr lang="en-US" dirty="0">
+              <a:latin typeface="Avenir Medium"/>
+              <a:cs typeface="Avenir Medium"/>
+            </a:endParaRPr>
+          </a:p>
+          <a:p>
+            <a:pPr>
+              <a:lnSpc>
+                <a:spcPct val="120000"/>
+              </a:lnSpc>
+            </a:pPr>
+            <a:r>
+              <a:rPr lang="en-US" dirty="0">
+                <a:latin typeface="Avenir Medium"/>
+              </a:rPr>
+              <a:t>R Studio Webinars - 40-web-apis-with-httr </a:t>
+            </a:r>
+            <a:r>
+              <a:rPr lang="en-US" dirty="0">
+                <a:latin typeface="Avenir Medium"/>
+                <a:cs typeface="Avenir Medium"/>
+                <a:hlinkClick r:id="rId3"/>
+              </a:rPr>
+              <a:t>https://github.com/rstudio/webinars/tree/master/40-web-apis-with-httr</a:t>
+            </a:r>
+            <a:endParaRPr lang="en" dirty="0">
+              <a:latin typeface="Avenir Medium"/>
+              <a:cs typeface="Avenir Medium"/>
+            </a:endParaRPr>
+          </a:p>
+          <a:p>
+            <a:pPr>
+              <a:lnSpc>
+                <a:spcPct val="120000"/>
+              </a:lnSpc>
+            </a:pPr>
+            <a:r>
+              <a:rPr lang="en" dirty="0">
+                <a:latin typeface="Avenir Medium"/>
+                <a:cs typeface="Avenir Medium"/>
+              </a:rPr>
+              <a:t>Accessing Web Data (JSON) in R using </a:t>
+            </a:r>
+            <a:r>
+              <a:rPr lang="en" dirty="0" err="1">
+                <a:latin typeface="Avenir Medium"/>
+                <a:cs typeface="Avenir Medium"/>
+              </a:rPr>
+              <a:t>httr</a:t>
+            </a:r>
+            <a:endParaRPr lang="en" dirty="0">
+              <a:latin typeface="Avenir Medium"/>
+              <a:cs typeface="Avenir Medium"/>
+            </a:endParaRPr>
+          </a:p>
+          <a:p>
+            <a:pPr marL="82296" indent="0">
+              <a:lnSpc>
+                <a:spcPct val="120000"/>
+              </a:lnSpc>
+              <a:buNone/>
+            </a:pPr>
+            <a:r>
+              <a:rPr lang="ro-RO" dirty="0">
+                <a:latin typeface="Avenir Medium"/>
+                <a:cs typeface="Avenir Medium"/>
+                <a:hlinkClick r:id="rId4"/>
+              </a:rPr>
+              <a:t>https://datascienceplus.com/accessing-web-data-json-in-r-using-httr/</a:t>
+            </a:r>
+            <a:endParaRPr lang="ro-RO" dirty="0">
+              <a:latin typeface="Avenir Medium"/>
+              <a:cs typeface="Avenir Medium"/>
+            </a:endParaRPr>
+          </a:p>
+          <a:p>
+            <a:pPr>
+              <a:lnSpc>
+                <a:spcPct val="120000"/>
+              </a:lnSpc>
+            </a:pPr>
+            <a:r>
+              <a:rPr lang="ro-RO" dirty="0" err="1">
+                <a:latin typeface="Avenir Medium"/>
+                <a:cs typeface="Avenir Medium"/>
+              </a:rPr>
+              <a:t>Keith</a:t>
+            </a:r>
+            <a:r>
+              <a:rPr lang="ro-RO" dirty="0">
+                <a:latin typeface="Avenir Medium"/>
+                <a:cs typeface="Avenir Medium"/>
+              </a:rPr>
+              <a:t> </a:t>
+            </a:r>
+            <a:r>
+              <a:rPr lang="ro-RO" dirty="0" err="1">
+                <a:latin typeface="Avenir Medium"/>
+                <a:cs typeface="Avenir Medium"/>
+              </a:rPr>
+              <a:t>Folsom</a:t>
+            </a:r>
+            <a:r>
+              <a:rPr lang="ro-RO" dirty="0">
+                <a:latin typeface="Avenir Medium"/>
+                <a:cs typeface="Avenir Medium"/>
+              </a:rPr>
+              <a:t> - </a:t>
+            </a:r>
+            <a:r>
+              <a:rPr lang="en" dirty="0">
+                <a:latin typeface="Avenir Medium"/>
+                <a:cs typeface="Avenir Medium"/>
+              </a:rPr>
+              <a:t>DATA 607: Week 10 Assignment - Web APIs</a:t>
+            </a:r>
+          </a:p>
+          <a:p>
+            <a:pPr marL="82296" indent="0">
+              <a:lnSpc>
+                <a:spcPct val="120000"/>
+              </a:lnSpc>
+              <a:buNone/>
+            </a:pPr>
+            <a:r>
+              <a:rPr lang="en-US" dirty="0">
+                <a:latin typeface="Avenir Medium"/>
+                <a:cs typeface="Avenir Medium"/>
+                <a:hlinkClick r:id="rId5"/>
+              </a:rPr>
+              <a:t>http://rstudio-pubs-static.s3.amazonaws.com/167706_e2cfef3b72c0448f80a8b311b2106ee9.html</a:t>
+            </a:r>
+            <a:endParaRPr lang="en-US" dirty="0">
+              <a:latin typeface="Avenir Medium"/>
+              <a:cs typeface="Avenir Medium"/>
+            </a:endParaRPr>
+          </a:p>
+          <a:p>
+            <a:pPr>
+              <a:lnSpc>
+                <a:spcPct val="120000"/>
+              </a:lnSpc>
+            </a:pPr>
+            <a:r>
+              <a:rPr lang="en-US" dirty="0">
+                <a:latin typeface="Avenir Medium"/>
+                <a:cs typeface="Avenir Medium"/>
+              </a:rPr>
+              <a:t>M </a:t>
+            </a:r>
+            <a:r>
+              <a:rPr lang="en-US" dirty="0" err="1">
+                <a:latin typeface="Avenir Medium"/>
+                <a:cs typeface="Avenir Medium"/>
+              </a:rPr>
+              <a:t>Yazici</a:t>
+            </a:r>
+            <a:r>
+              <a:rPr lang="en-US" dirty="0">
+                <a:latin typeface="Avenir Medium"/>
+                <a:cs typeface="Avenir Medium"/>
+              </a:rPr>
+              <a:t> - </a:t>
+            </a:r>
+            <a:r>
+              <a:rPr lang="en" dirty="0">
+                <a:latin typeface="Avenir Medium"/>
+                <a:cs typeface="Avenir Medium"/>
+              </a:rPr>
+              <a:t>Working with Web data in R: API, HTML, JSON, XML</a:t>
+            </a:r>
+          </a:p>
+          <a:p>
+            <a:pPr marL="82296" indent="0">
+              <a:lnSpc>
+                <a:spcPct val="120000"/>
+              </a:lnSpc>
+              <a:buNone/>
+            </a:pPr>
+            <a:r>
+              <a:rPr lang="en-US" dirty="0">
+                <a:latin typeface="Avenir Medium"/>
+                <a:cs typeface="Avenir Medium"/>
+                <a:hlinkClick r:id="rId6"/>
+              </a:rPr>
+              <a:t>https://data.metinyazici.org/2017/10/working-with-web-data-in-r.html</a:t>
+            </a:r>
+            <a:endParaRPr lang="en-US" dirty="0">
+              <a:latin typeface="Avenir Medium"/>
+              <a:cs typeface="Avenir Medium"/>
+            </a:endParaRPr>
+          </a:p>
+          <a:p>
+            <a:pPr>
+              <a:lnSpc>
+                <a:spcPct val="120000"/>
+              </a:lnSpc>
+            </a:pPr>
+            <a:r>
+              <a:rPr lang="en-US" dirty="0">
+                <a:latin typeface="Avenir Medium"/>
+                <a:cs typeface="Avenir Medium"/>
+              </a:rPr>
+              <a:t>Andrew Carpenter - </a:t>
+            </a:r>
+            <a:r>
+              <a:rPr lang="en" dirty="0">
+                <a:latin typeface="Avenir Medium"/>
+                <a:cs typeface="Avenir Medium"/>
+              </a:rPr>
+              <a:t>How to Access Any RESTful API Using the R Language</a:t>
+            </a:r>
+          </a:p>
+          <a:p>
+            <a:pPr marL="82296" indent="0">
+              <a:lnSpc>
+                <a:spcPct val="120000"/>
+              </a:lnSpc>
+              <a:buNone/>
+            </a:pPr>
+            <a:r>
+              <a:rPr lang="en-US" dirty="0">
+                <a:latin typeface="Avenir Medium"/>
+                <a:cs typeface="Avenir Medium"/>
+                <a:hlinkClick r:id="rId7"/>
+              </a:rPr>
+              <a:t>https://www.programmableweb.com/news/how-to-access-any-restful-api-using-r-language/how-to/2017/07/21</a:t>
+            </a:r>
+            <a:endParaRPr lang="en-US" dirty="0">
+              <a:latin typeface="Avenir Medium"/>
+              <a:cs typeface="Avenir Medium"/>
+            </a:endParaRPr>
+          </a:p>
+          <a:p>
+            <a:pPr>
+              <a:lnSpc>
+                <a:spcPct val="120000"/>
+              </a:lnSpc>
+            </a:pPr>
+            <a:endParaRPr lang="en-US" dirty="0">
+              <a:latin typeface="Avenir Medium"/>
+              <a:cs typeface="Avenir Medium"/>
+            </a:endParaRPr>
+          </a:p>
+        </p:txBody>
+      </p:sp>
+    </p:spTree>
+    <p:extLst>
+      <p:ext uri="{BB962C8B-B14F-4D97-AF65-F5344CB8AC3E}">
+        <p14:creationId xmlns:p14="http://schemas.microsoft.com/office/powerpoint/2010/main" val="1547122904"/>
+      </p:ext>
+    </p:extLst>
+  </p:cSld>
+  <p:clrMapOvr>
+    <a:masterClrMapping/>
+  </p:clrMapOvr>
+  <p:transition>
+    <p:random/>
+  </p:transition>
+</p:sld>
+</file>
+
 <file path=ppt/slides/slide2.xml><?xml version="1.0" encoding="utf-8"?>
 <p:sld xmlns:a="http://schemas.openxmlformats.org/drawingml/2006/main" xmlns:r="http://schemas.openxmlformats.org/officeDocument/2006/relationships" xmlns:p="http://schemas.openxmlformats.org/presentationml/2006/main">
   <p:cSld>
@@ -5370,17 +5872,49 @@
                 <a:ea typeface="Avenir Book" charset="0"/>
                 <a:cs typeface="Avenir Book" charset="0"/>
               </a:rPr>
-              <a:t>Basics of web scraping in R       </a:t>
-            </a:r>
-          </a:p>
-          <a:p>
+              <a:t>Basics of web scraping in R with `</a:t>
+            </a:r>
+            <a:r>
+              <a:rPr lang="en-US" b="1" dirty="0" err="1">
+                <a:latin typeface="Avenir Book" charset="0"/>
+                <a:ea typeface="Avenir Book" charset="0"/>
+                <a:cs typeface="Avenir Book" charset="0"/>
+              </a:rPr>
+              <a:t>rvest</a:t>
+            </a:r>
             <a:r>
               <a:rPr lang="en-US" b="1" dirty="0">
                 <a:latin typeface="Avenir Book" charset="0"/>
                 <a:ea typeface="Avenir Book" charset="0"/>
                 <a:cs typeface="Avenir Book" charset="0"/>
               </a:rPr>
-              <a:t>Data access through APIs</a:t>
+              <a:t>` package      </a:t>
+            </a:r>
+          </a:p>
+          <a:p>
+            <a:r>
+              <a:rPr lang="en-US" b="1" dirty="0">
+                <a:latin typeface="Avenir Book" charset="0"/>
+                <a:ea typeface="Avenir Book" charset="0"/>
+                <a:cs typeface="Avenir Book" charset="0"/>
+              </a:rPr>
+              <a:t>Data access through APIs with `</a:t>
+            </a:r>
+            <a:r>
+              <a:rPr lang="en-US" b="1" dirty="0" err="1">
+                <a:latin typeface="Avenir Book" charset="0"/>
+                <a:ea typeface="Avenir Book" charset="0"/>
+                <a:cs typeface="Avenir Book" charset="0"/>
+              </a:rPr>
+              <a:t>httr</a:t>
+            </a:r>
+            <a:r>
+              <a:rPr lang="en-US" b="1" dirty="0">
+                <a:latin typeface="Avenir Book" charset="0"/>
+                <a:ea typeface="Avenir Book" charset="0"/>
+                <a:cs typeface="Avenir Book" charset="0"/>
+              </a:rPr>
+              <a:t>` package</a:t>
             </a:r>
           </a:p>
           <a:p>
@@ -5892,7 +6426,7 @@
                 <a:ea typeface="Arial Unicode MS" panose="020B0604020202020204" pitchFamily="34" charset="-128"/>
                 <a:cs typeface="Arial Unicode MS" panose="020B0604020202020204" pitchFamily="34" charset="-128"/>
               </a:rPr>
-              <a:t>Some references on XML and JSON data management</a:t>
+              <a:t>Some references on HTML tables, XML and JSON data management</a:t>
             </a:r>
             <a:endParaRPr lang="en-US" sz="3600" b="1" dirty="0">
               <a:latin typeface="Arial Unicode MS" panose="020B0604020202020204" pitchFamily="34" charset="-128"/>
@@ -5912,8 +6446,8 @@
         </p:nvSpPr>
         <p:spPr>
           <a:xfrm>
-            <a:off x="685800" y="1066800"/>
-            <a:ext cx="8382000" cy="5867400"/>
+            <a:off x="685800" y="1371600"/>
+            <a:ext cx="8382000" cy="5562600"/>
           </a:xfrm>
           <a:prstGeom prst="rect">
             <a:avLst/>
@@ -5921,7 +6455,7 @@
         </p:spPr>
         <p:txBody>
           <a:bodyPr>
-            <a:normAutofit fontScale="92500" lnSpcReduction="10000"/>
+            <a:normAutofit fontScale="70000" lnSpcReduction="20000"/>
           </a:bodyPr>
           <a:lstStyle>
             <a:lvl1pPr marL="365760" indent="-283464" algn="l" eaLnBrk="1" latinLnBrk="0" hangingPunct="1">
@@ -6069,34 +6603,54 @@
               </a:lnSpc>
             </a:pPr>
             <a:r>
+              <a:rPr lang="en" dirty="0">
+                <a:latin typeface="Avenir Medium"/>
+              </a:rPr>
+              <a:t>Gaston Sanchez - Data from the Web to R (2014)</a:t>
+            </a:r>
+          </a:p>
+          <a:p>
+            <a:pPr marL="82296" indent="0">
+              <a:lnSpc>
+                <a:spcPct val="120000"/>
+              </a:lnSpc>
+              <a:buNone/>
+            </a:pPr>
+            <a:r>
               <a:rPr lang="ro-RO" dirty="0">
                 <a:latin typeface="Avenir Medium"/>
-              </a:rPr>
-              <a:t>`</a:t>
-            </a:r>
-            <a:r>
-              <a:rPr lang="ro-RO" dirty="0" err="1">
-                <a:latin typeface="Avenir Medium"/>
-              </a:rPr>
-              <a:t>flatxml</a:t>
-            </a:r>
-            <a:r>
-              <a:rPr lang="ro-RO" dirty="0">
-                <a:latin typeface="Avenir Medium"/>
-              </a:rPr>
-              <a:t>` </a:t>
-            </a:r>
-            <a:r>
-              <a:rPr lang="ro-RO" dirty="0" err="1">
-                <a:latin typeface="Avenir Medium"/>
-              </a:rPr>
-              <a:t>package</a:t>
+                <a:hlinkClick r:id="rId2"/>
+              </a:rPr>
+              <a:t>http://www.gastonsanchez.com/visually-enforced/resources/2014/05/12/Web-data/</a:t>
             </a:r>
             <a:endParaRPr lang="ro-RO" dirty="0">
               <a:latin typeface="Avenir Medium"/>
             </a:endParaRPr>
           </a:p>
           <a:p>
+            <a:pPr>
+              <a:lnSpc>
+                <a:spcPct val="120000"/>
+              </a:lnSpc>
+            </a:pPr>
+            <a:endParaRPr lang="en" dirty="0">
+              <a:latin typeface="Avenir Medium"/>
+            </a:endParaRPr>
+          </a:p>
+          <a:p>
+            <a:pPr>
+              <a:lnSpc>
+                <a:spcPct val="120000"/>
+              </a:lnSpc>
+            </a:pPr>
+            <a:r>
+              <a:rPr lang="en" dirty="0">
+                <a:latin typeface="Avenir Medium"/>
+              </a:rPr>
+              <a:t>Getting Data from the Web with R. Part 1: Introduction</a:t>
+            </a:r>
+          </a:p>
+          <a:p>
             <a:pPr marL="82296" indent="0">
               <a:lnSpc>
                 <a:spcPct val="120000"/>
@@ -6104,12 +6658,80 @@
               <a:buNone/>
             </a:pPr>
             <a:r>
+              <a:rPr lang="ro-RO" dirty="0">
+                <a:latin typeface="Avenir Medium"/>
+                <a:hlinkClick r:id="rId3"/>
+              </a:rPr>
+              <a:t>https://learndatavisualization.files.wordpress.com/2015/05/getting_web_data_r1_introduction.pdf</a:t>
+            </a:r>
+            <a:endParaRPr lang="ro-RO" dirty="0">
+              <a:latin typeface="Avenir Medium"/>
+            </a:endParaRPr>
+          </a:p>
+          <a:p>
+            <a:pPr>
+              <a:lnSpc>
+                <a:spcPct val="120000"/>
+              </a:lnSpc>
+            </a:pPr>
+            <a:endParaRPr lang="ro-RO" dirty="0">
+              <a:latin typeface="Avenir Medium"/>
+            </a:endParaRPr>
+          </a:p>
+          <a:p>
+            <a:pPr>
+              <a:lnSpc>
+                <a:spcPct val="120000"/>
+              </a:lnSpc>
+            </a:pPr>
+            <a:r>
+              <a:rPr lang="ro-RO" dirty="0">
+                <a:latin typeface="Avenir Medium"/>
+              </a:rPr>
+              <a:t>Christian </a:t>
+            </a:r>
+            <a:r>
+              <a:rPr lang="ro-RO" dirty="0" err="1">
+                <a:latin typeface="Avenir Medium"/>
+              </a:rPr>
+              <a:t>Rubba</a:t>
+            </a:r>
+            <a:r>
+              <a:rPr lang="ro-RO" dirty="0">
+                <a:latin typeface="Avenir Medium"/>
+              </a:rPr>
+              <a:t> - </a:t>
+            </a:r>
+            <a:r>
+              <a:rPr lang="en" dirty="0">
+                <a:latin typeface="Avenir Medium"/>
+              </a:rPr>
+              <a:t>Hassle-free HTML tables with </a:t>
+            </a:r>
+            <a:r>
+              <a:rPr lang="en" dirty="0" err="1">
+                <a:latin typeface="Avenir Medium"/>
+              </a:rPr>
+              <a:t>htmltab</a:t>
+            </a:r>
+            <a:endParaRPr lang="ro-RO" dirty="0">
+              <a:latin typeface="Avenir Medium"/>
+            </a:endParaRPr>
+          </a:p>
+          <a:p>
+            <a:pPr marL="82296" indent="0">
+              <a:lnSpc>
+                <a:spcPct val="120000"/>
+              </a:lnSpc>
+              <a:buNone/>
+            </a:pPr>
+            <a:r>
               <a:rPr lang="en-US" sz="2000" dirty="0">
                 <a:latin typeface="Avenir Medium"/>
                 <a:cs typeface="Avenir Medium"/>
-                <a:hlinkClick r:id="rId2"/>
-              </a:rPr>
-              <a:t>http://www.zuckarelli.de/flatxml/index.html</a:t>
+                <a:hlinkClick r:id="rId4"/>
+              </a:rPr>
+              <a:t>https://cran.r-project.org/web/packages/htmltab/vignettes/htmltab.html</a:t>
             </a:r>
             <a:endParaRPr lang="en-US" sz="2000" dirty="0">
               <a:latin typeface="Avenir Medium"/>
@@ -6117,6 +6739,18 @@
             </a:endParaRPr>
           </a:p>
           <a:p>
+            <a:pPr marL="82296" indent="0">
+              <a:lnSpc>
+                <a:spcPct val="120000"/>
+              </a:lnSpc>
+              <a:buNone/>
+            </a:pPr>
+            <a:endParaRPr lang="en-US" sz="2000" dirty="0">
+              <a:latin typeface="Avenir Medium"/>
+              <a:cs typeface="Avenir Medium"/>
+            </a:endParaRPr>
+          </a:p>
+          <a:p>
             <a:pPr>
               <a:lnSpc>
                 <a:spcPct val="120000"/>
@@ -6162,17 +6796,9 @@
               <a:rPr lang="en-US" sz="2200" dirty="0">
                 <a:latin typeface="Avenir Medium"/>
                 <a:cs typeface="Avenir Medium"/>
-                <a:hlinkClick r:id="rId3"/>
-              </a:rPr>
-              <a:t>http://rstudio-pubs-static.s3.amazonaws.com/370992_183d7ba68f9e4e8aae65ff65c0ebfa01</a:t>
-            </a:r>
-            <a:r>
-              <a:rPr lang="en-US" sz="2200">
-                <a:latin typeface="Avenir Medium"/>
-                <a:cs typeface="Avenir Medium"/>
-                <a:hlinkClick r:id="rId3"/>
-              </a:rPr>
-              <a:t>.html</a:t>
+                <a:hlinkClick r:id="rId5"/>
+              </a:rPr>
+              <a:t>http://rstudio-pubs-static.s3.amazonaws.com/370992_183d7ba68f9e4e8aae65ff65c0ebfa01.html</a:t>
             </a:r>
             <a:endParaRPr lang="en-US" dirty="0">
               <a:latin typeface="Avenir Medium"/>
@@ -6185,21 +6811,7 @@
                 <a:spcPct val="120000"/>
               </a:lnSpc>
             </a:pPr>
-            <a:r>
-              <a:rPr lang="en" dirty="0">
-                <a:latin typeface="Avenir Medium"/>
-                <a:cs typeface="Avenir Medium"/>
-              </a:rPr>
-              <a:t>Getting started with JSON and </a:t>
-            </a:r>
-            <a:r>
-              <a:rPr lang="en" dirty="0" err="1">
-                <a:latin typeface="Avenir Medium"/>
-                <a:cs typeface="Avenir Medium"/>
-              </a:rPr>
-              <a:t>jsonlite</a:t>
-            </a:r>
-            <a:endParaRPr lang="en-US" dirty="0">
+            <a:endParaRPr lang="en" dirty="0">
               <a:latin typeface="Avenir Medium"/>
               <a:cs typeface="Avenir Medium"/>
             </a:endParaRPr>
@@ -6211,61 +6823,17 @@
               </a:lnSpc>
               <a:buNone/>
             </a:pPr>
-            <a:r>
-              <a:rPr lang="en-US" sz="2000" dirty="0">
-                <a:latin typeface="Avenir Medium"/>
-                <a:cs typeface="Avenir Medium"/>
-                <a:hlinkClick r:id="rId4"/>
-              </a:rPr>
-              <a:t>https://cran.r-project.org/web/packages/jsonlite/vignettes/json-aaquickstart.html</a:t>
-            </a:r>
-            <a:endParaRPr lang="en-US" sz="2000" dirty="0">
+            <a:endParaRPr lang="en" dirty="0">
               <a:latin typeface="Avenir Medium"/>
-              <a:cs typeface="Avenir Medium"/>
-            </a:endParaRPr>
-          </a:p>
-          <a:p>
-            <a:pPr>
+            </a:endParaRPr>
+          </a:p>
+          <a:p>
+            <a:pPr marL="82296" indent="0">
               <a:lnSpc>
                 <a:spcPct val="120000"/>
               </a:lnSpc>
-            </a:pPr>
-            <a:r>
-              <a:rPr lang="en" dirty="0">
-                <a:latin typeface="Avenir Medium"/>
-                <a:cs typeface="Avenir Medium"/>
-              </a:rPr>
-              <a:t>The </a:t>
-            </a:r>
-            <a:r>
-              <a:rPr lang="en" dirty="0" err="1">
-                <a:latin typeface="Avenir Medium"/>
-                <a:cs typeface="Avenir Medium"/>
-              </a:rPr>
-              <a:t>jsonlite</a:t>
-            </a:r>
-            <a:r>
-              <a:rPr lang="en" dirty="0">
-                <a:latin typeface="Avenir Medium"/>
-                <a:cs typeface="Avenir Medium"/>
-              </a:rPr>
-              <a:t> Package: A Practical and Consistent Mapping Between JSON Data and R Objects</a:t>
-            </a:r>
-          </a:p>
-          <a:p>
-            <a:pPr marL="82296" indent="0">
-              <a:lnSpc>
-                <a:spcPct val="120000"/>
-              </a:lnSpc>
               <a:buNone/>
             </a:pPr>
-            <a:r>
-              <a:rPr lang="en-US" sz="2100" dirty="0">
-                <a:latin typeface="Avenir Medium"/>
-                <a:hlinkClick r:id="rId5"/>
-              </a:rPr>
-              <a:t>https://arxiv.org/abs/1403.2805</a:t>
-            </a:r>
             <a:endParaRPr lang="en-US" sz="2100" dirty="0">
               <a:latin typeface="Avenir Medium"/>
             </a:endParaRPr>
@@ -6390,7 +6958,7 @@
                 <a:ea typeface="Arial Unicode MS" panose="020B0604020202020204" pitchFamily="34" charset="-128"/>
                 <a:cs typeface="Arial Unicode MS" panose="020B0604020202020204" pitchFamily="34" charset="-128"/>
               </a:rPr>
-              <a:t>Some references on APIs and web scraping in R</a:t>
+              <a:t>Some references on XML and JSON data management</a:t>
             </a:r>
             <a:endParaRPr lang="en-US" sz="3600" b="1" dirty="0">
               <a:latin typeface="Arial Unicode MS" panose="020B0604020202020204" pitchFamily="34" charset="-128"/>
@@ -6419,7 +6987,7 @@
         </p:spPr>
         <p:txBody>
           <a:bodyPr>
-            <a:normAutofit/>
+            <a:normAutofit fontScale="70000" lnSpcReduction="20000"/>
           </a:bodyPr>
           <a:lstStyle>
             <a:lvl1pPr marL="365760" indent="-283464" algn="l" eaLnBrk="1" latinLnBrk="0" hangingPunct="1">
@@ -6567,18 +7135,102 @@
               </a:lnSpc>
             </a:pPr>
             <a:r>
-              <a:rPr lang="en-US" dirty="0">
-                <a:latin typeface="Avenir Medium"/>
-              </a:rPr>
-              <a:t>R Studio Webinars - 31-Web-APIs </a:t>
-            </a:r>
-            <a:r>
-              <a:rPr lang="en-US" dirty="0">
+              <a:rPr lang="ro-RO" dirty="0">
+                <a:latin typeface="Avenir Medium"/>
+              </a:rPr>
+              <a:t>`</a:t>
+            </a:r>
+            <a:r>
+              <a:rPr lang="ro-RO" dirty="0" err="1">
+                <a:latin typeface="Avenir Medium"/>
+              </a:rPr>
+              <a:t>flatxml</a:t>
+            </a:r>
+            <a:r>
+              <a:rPr lang="ro-RO" dirty="0">
+                <a:latin typeface="Avenir Medium"/>
+              </a:rPr>
+              <a:t>` </a:t>
+            </a:r>
+            <a:r>
+              <a:rPr lang="ro-RO" dirty="0" err="1">
+                <a:latin typeface="Avenir Medium"/>
+              </a:rPr>
+              <a:t>package</a:t>
+            </a:r>
+            <a:endParaRPr lang="ro-RO" dirty="0">
+              <a:latin typeface="Avenir Medium"/>
+            </a:endParaRPr>
+          </a:p>
+          <a:p>
+            <a:pPr marL="82296" indent="0">
+              <a:lnSpc>
+                <a:spcPct val="120000"/>
+              </a:lnSpc>
+              <a:buNone/>
+            </a:pPr>
+            <a:r>
+              <a:rPr lang="en-US" sz="2000" dirty="0">
                 <a:latin typeface="Avenir Medium"/>
                 <a:cs typeface="Avenir Medium"/>
                 <a:hlinkClick r:id="rId2"/>
               </a:rPr>
-              <a:t>https://github.com/rstudio/webinars/tree/master/31-Web-APIs</a:t>
+              <a:t>http://www.zuckarelli.de/flatxml/index.html</a:t>
+            </a:r>
+            <a:endParaRPr lang="en-US" sz="2000" dirty="0">
+              <a:latin typeface="Avenir Medium"/>
+              <a:cs typeface="Avenir Medium"/>
+            </a:endParaRPr>
+          </a:p>
+          <a:p>
+            <a:pPr>
+              <a:lnSpc>
+                <a:spcPct val="120000"/>
+              </a:lnSpc>
+            </a:pPr>
+            <a:r>
+              <a:rPr lang="en-US" dirty="0">
+                <a:latin typeface="Avenir Medium"/>
+                <a:cs typeface="Avenir Medium"/>
+              </a:rPr>
+              <a:t>Albert </a:t>
+            </a:r>
+            <a:r>
+              <a:rPr lang="en-US" dirty="0" err="1">
+                <a:latin typeface="Avenir Medium"/>
+                <a:cs typeface="Avenir Medium"/>
+              </a:rPr>
+              <a:t>Gilharry</a:t>
+            </a:r>
+            <a:r>
+              <a:rPr lang="en-US" dirty="0">
+                <a:latin typeface="Avenir Medium"/>
+                <a:cs typeface="Avenir Medium"/>
+              </a:rPr>
+              <a:t> - </a:t>
+            </a:r>
+            <a:r>
+              <a:rPr lang="en" dirty="0">
+                <a:latin typeface="Avenir Medium"/>
+                <a:cs typeface="Avenir Medium"/>
+              </a:rPr>
+              <a:t>DATA607 Assignment 5: Working with XML and JSON in R</a:t>
+            </a:r>
+          </a:p>
+          <a:p>
+            <a:pPr marL="82296" indent="0">
+              <a:lnSpc>
+                <a:spcPct val="120000"/>
+              </a:lnSpc>
+              <a:buNone/>
+            </a:pPr>
+            <a:r>
+              <a:rPr lang="en-US" sz="2200" dirty="0">
+                <a:latin typeface="Avenir Medium"/>
+                <a:cs typeface="Avenir Medium"/>
+                <a:hlinkClick r:id="rId3"/>
+              </a:rPr>
+              <a:t>http://rstudio-pubs-static.s3.amazonaws.com/370992_183d7ba68f9e4e8aae65ff65c0ebfa01.html</a:t>
             </a:r>
             <a:endParaRPr lang="en-US" dirty="0">
               <a:latin typeface="Avenir Medium"/>
@@ -6592,18 +7244,80 @@
               </a:lnSpc>
             </a:pPr>
             <a:r>
-              <a:rPr lang="en-US" dirty="0">
-                <a:latin typeface="Avenir Medium"/>
-              </a:rPr>
-              <a:t>R Studio Webinars - 32-Web-Scraping </a:t>
-            </a:r>
-            <a:r>
-              <a:rPr lang="en-US" dirty="0">
+              <a:rPr lang="ro-RO" dirty="0" err="1">
                 <a:latin typeface="Avenir Medium"/>
                 <a:cs typeface="Avenir Medium"/>
-                <a:hlinkClick r:id="rId3"/>
-              </a:rPr>
-              <a:t>https://github.com/rstudio/webinars/tree/master/32-Web-Scraping</a:t>
+              </a:rPr>
+              <a:t>Kan</a:t>
+            </a:r>
+            <a:r>
+              <a:rPr lang="ro-RO" dirty="0">
+                <a:latin typeface="Avenir Medium"/>
+                <a:cs typeface="Avenir Medium"/>
+              </a:rPr>
+              <a:t> </a:t>
+            </a:r>
+            <a:r>
+              <a:rPr lang="ro-RO" dirty="0" err="1">
+                <a:latin typeface="Avenir Medium"/>
+                <a:cs typeface="Avenir Medium"/>
+              </a:rPr>
+              <a:t>Nishida</a:t>
+            </a:r>
+            <a:r>
+              <a:rPr lang="ro-RO" dirty="0">
+                <a:latin typeface="Avenir Medium"/>
+                <a:cs typeface="Avenir Medium"/>
+              </a:rPr>
+              <a:t> - </a:t>
+            </a:r>
+            <a:r>
+              <a:rPr lang="en" dirty="0">
+                <a:latin typeface="Avenir Medium"/>
+                <a:cs typeface="Avenir Medium"/>
+              </a:rPr>
+              <a:t>Working with JSON data in very simple way</a:t>
+            </a:r>
+          </a:p>
+          <a:p>
+            <a:pPr marL="82296" indent="0">
+              <a:lnSpc>
+                <a:spcPct val="120000"/>
+              </a:lnSpc>
+              <a:buNone/>
+            </a:pPr>
+            <a:r>
+              <a:rPr lang="ro-RO" dirty="0">
+                <a:latin typeface="Avenir Medium"/>
+                <a:cs typeface="Avenir Medium"/>
+                <a:hlinkClick r:id="rId4"/>
+              </a:rPr>
+              <a:t>https://blog.exploratory.io/working-with-json-data-in-very-simple-way-ad7ebcc0bb89</a:t>
+            </a:r>
+            <a:endParaRPr lang="en" dirty="0">
+              <a:latin typeface="Avenir Medium"/>
+              <a:cs typeface="Avenir Medium"/>
+            </a:endParaRPr>
+          </a:p>
+          <a:p>
+            <a:pPr>
+              <a:lnSpc>
+                <a:spcPct val="120000"/>
+              </a:lnSpc>
+            </a:pPr>
+            <a:r>
+              <a:rPr lang="en" dirty="0">
+                <a:latin typeface="Avenir Medium"/>
+                <a:cs typeface="Avenir Medium"/>
+              </a:rPr>
+              <a:t>Getting started with JSON and </a:t>
+            </a:r>
+            <a:r>
+              <a:rPr lang="en" dirty="0" err="1">
+                <a:latin typeface="Avenir Medium"/>
+                <a:cs typeface="Avenir Medium"/>
+              </a:rPr>
+              <a:t>jsonlite</a:t>
             </a:r>
             <a:endParaRPr lang="en-US" dirty="0">
               <a:latin typeface="Avenir Medium"/>
@@ -6611,25 +7325,173 @@
             </a:endParaRPr>
           </a:p>
           <a:p>
+            <a:pPr marL="82296" indent="0">
+              <a:lnSpc>
+                <a:spcPct val="120000"/>
+              </a:lnSpc>
+              <a:buNone/>
+            </a:pPr>
+            <a:r>
+              <a:rPr lang="en-US" sz="2000" dirty="0">
+                <a:latin typeface="Avenir Medium"/>
+                <a:cs typeface="Avenir Medium"/>
+                <a:hlinkClick r:id="rId5"/>
+              </a:rPr>
+              <a:t>https://cran.r-project.org/web/packages/jsonlite/vignettes/json-aaquickstart.html</a:t>
+            </a:r>
+            <a:endParaRPr lang="en-US" sz="2000" dirty="0">
+              <a:latin typeface="Avenir Medium"/>
+              <a:cs typeface="Avenir Medium"/>
+            </a:endParaRPr>
+          </a:p>
+          <a:p>
             <a:pPr>
               <a:lnSpc>
                 <a:spcPct val="120000"/>
               </a:lnSpc>
             </a:pPr>
             <a:r>
-              <a:rPr lang="en-US" dirty="0">
-                <a:latin typeface="Avenir Medium"/>
-              </a:rPr>
-              <a:t>R Studio Webinars - 40-web-apis-with-httr </a:t>
-            </a:r>
-            <a:r>
-              <a:rPr lang="en-US" dirty="0">
+              <a:rPr lang="ro-RO" dirty="0" err="1">
                 <a:latin typeface="Avenir Medium"/>
                 <a:cs typeface="Avenir Medium"/>
-                <a:hlinkClick r:id="rId4"/>
-              </a:rPr>
-              <a:t>https://github.com/rstudio/webinars/tree/master/40-web-apis-with-httr</a:t>
-            </a:r>
+              </a:rPr>
+              <a:t>Reading</a:t>
+            </a:r>
+            <a:r>
+              <a:rPr lang="ro-RO" dirty="0">
+                <a:latin typeface="Avenir Medium"/>
+                <a:cs typeface="Avenir Medium"/>
+              </a:rPr>
+              <a:t> JSON R </a:t>
+            </a:r>
+            <a:r>
+              <a:rPr lang="ro-RO" dirty="0" err="1">
+                <a:latin typeface="Avenir Medium"/>
+                <a:cs typeface="Avenir Medium"/>
+              </a:rPr>
+              <a:t>Programming</a:t>
+            </a:r>
+            <a:endParaRPr lang="ro-RO" dirty="0">
+              <a:latin typeface="Avenir Medium"/>
+              <a:cs typeface="Avenir Medium"/>
+            </a:endParaRPr>
+          </a:p>
+          <a:p>
+            <a:pPr marL="82296" indent="0">
+              <a:lnSpc>
+                <a:spcPct val="120000"/>
+              </a:lnSpc>
+              <a:buNone/>
+            </a:pPr>
+            <a:r>
+              <a:rPr lang="ro-RO" dirty="0">
+                <a:latin typeface="Avenir Medium"/>
+                <a:cs typeface="Avenir Medium"/>
+                <a:hlinkClick r:id="rId6"/>
+              </a:rPr>
+              <a:t>https://www.youtube.com/watch?v=hzbdajLhiew</a:t>
+            </a:r>
+            <a:endParaRPr lang="ro-RO" dirty="0">
+              <a:latin typeface="Avenir Medium"/>
+              <a:cs typeface="Avenir Medium"/>
+            </a:endParaRPr>
+          </a:p>
+          <a:p>
+            <a:pPr>
+              <a:lnSpc>
+                <a:spcPct val="120000"/>
+              </a:lnSpc>
+            </a:pPr>
+            <a:r>
+              <a:rPr lang="en" dirty="0">
+                <a:latin typeface="Avenir Medium"/>
+                <a:cs typeface="Avenir Medium"/>
+              </a:rPr>
+              <a:t>The </a:t>
+            </a:r>
+            <a:r>
+              <a:rPr lang="en" dirty="0" err="1">
+                <a:latin typeface="Avenir Medium"/>
+                <a:cs typeface="Avenir Medium"/>
+              </a:rPr>
+              <a:t>jsonlite</a:t>
+            </a:r>
+            <a:r>
+              <a:rPr lang="en" dirty="0">
+                <a:latin typeface="Avenir Medium"/>
+                <a:cs typeface="Avenir Medium"/>
+              </a:rPr>
+              <a:t> Package: A Practical and Consistent Mapping Between JSON Data and R Objects</a:t>
+            </a:r>
+          </a:p>
+          <a:p>
+            <a:pPr marL="82296" indent="0">
+              <a:lnSpc>
+                <a:spcPct val="120000"/>
+              </a:lnSpc>
+              <a:buNone/>
+            </a:pPr>
+            <a:r>
+              <a:rPr lang="en-US" sz="3200" dirty="0">
+                <a:latin typeface="Avenir Medium"/>
+                <a:hlinkClick r:id="rId7"/>
+              </a:rPr>
+              <a:t>https://arxiv.org/abs/1403.2805</a:t>
+            </a:r>
+            <a:endParaRPr lang="ro-RO" dirty="0">
+              <a:latin typeface="Avenir Medium"/>
+            </a:endParaRPr>
+          </a:p>
+          <a:p>
+            <a:pPr>
+              <a:lnSpc>
+                <a:spcPct val="120000"/>
+              </a:lnSpc>
+            </a:pPr>
+            <a:endParaRPr lang="en" dirty="0">
+              <a:latin typeface="Avenir Medium"/>
+              <a:cs typeface="Avenir Medium"/>
+            </a:endParaRPr>
+          </a:p>
+          <a:p>
+            <a:pPr marL="82296" indent="0">
+              <a:lnSpc>
+                <a:spcPct val="120000"/>
+              </a:lnSpc>
+              <a:buNone/>
+            </a:pPr>
+            <a:endParaRPr lang="en" dirty="0">
+              <a:latin typeface="Avenir Medium"/>
+            </a:endParaRPr>
+          </a:p>
+          <a:p>
+            <a:pPr marL="82296" indent="0">
+              <a:lnSpc>
+                <a:spcPct val="120000"/>
+              </a:lnSpc>
+              <a:buNone/>
+            </a:pPr>
+            <a:endParaRPr lang="en-US" sz="2100" dirty="0">
+              <a:latin typeface="Avenir Medium"/>
+            </a:endParaRPr>
+          </a:p>
+          <a:p>
+            <a:pPr marL="82296" indent="0">
+              <a:lnSpc>
+                <a:spcPct val="120000"/>
+              </a:lnSpc>
+              <a:buNone/>
+            </a:pPr>
+            <a:endParaRPr lang="en-US" sz="2100" dirty="0">
+              <a:latin typeface="Avenir Medium"/>
+            </a:endParaRPr>
+          </a:p>
+          <a:p>
+            <a:pPr>
+              <a:lnSpc>
+                <a:spcPct val="120000"/>
+              </a:lnSpc>
+            </a:pPr>
             <a:endParaRPr lang="en-US" dirty="0">
               <a:latin typeface="Avenir Medium"/>
               <a:cs typeface="Avenir Medium"/>
@@ -6647,10 +7509,11 @@
             </a:endParaRPr>
           </a:p>
           <a:p>
-            <a:pPr>
+            <a:pPr marL="82296" indent="0">
               <a:lnSpc>
                 <a:spcPct val="120000"/>
               </a:lnSpc>
+              <a:buNone/>
             </a:pPr>
             <a:endParaRPr lang="en-US" dirty="0">
               <a:latin typeface="Avenir Medium"/>
@@ -6668,12 +7531,511 @@
               <a:cs typeface="Avenir Medium"/>
             </a:endParaRPr>
           </a:p>
+        </p:txBody>
+      </p:sp>
+    </p:spTree>
+    <p:extLst>
+      <p:ext uri="{BB962C8B-B14F-4D97-AF65-F5344CB8AC3E}">
+        <p14:creationId xmlns:p14="http://schemas.microsoft.com/office/powerpoint/2010/main" val="2452257283"/>
+      </p:ext>
+    </p:extLst>
+  </p:cSld>
+  <p:clrMapOvr>
+    <a:masterClrMapping/>
+  </p:clrMapOvr>
+  <p:transition>
+    <p:random/>
+  </p:transition>
+</p:sld>
+</file>
+
+<file path=ppt/slides/slide7.xml><?xml version="1.0" encoding="utf-8"?>
+<p:sld xmlns:a="http://schemas.openxmlformats.org/drawingml/2006/main" xmlns:r="http://schemas.openxmlformats.org/officeDocument/2006/relationships" xmlns:p="http://schemas.openxmlformats.org/presentationml/2006/main">
+  <p:cSld>
+    <p:spTree>
+      <p:nvGrpSpPr>
+        <p:cNvPr id="1" name=""/>
+        <p:cNvGrpSpPr/>
+        <p:nvPr/>
+      </p:nvGrpSpPr>
+      <p:grpSpPr>
+        <a:xfrm>
+          <a:off x="0" y="0"/>
+          <a:ext cx="0" cy="0"/>
+          <a:chOff x="0" y="0"/>
+          <a:chExt cx="0" cy="0"/>
+        </a:xfrm>
+      </p:grpSpPr>
+      <p:sp>
+        <p:nvSpPr>
+          <p:cNvPr id="2" name="Title 1"/>
+          <p:cNvSpPr>
+            <a:spLocks noGrp="1"/>
+          </p:cNvSpPr>
+          <p:nvPr>
+            <p:ph type="title"/>
+          </p:nvPr>
+        </p:nvSpPr>
+        <p:spPr>
+          <a:xfrm>
+            <a:off x="0" y="76200"/>
+            <a:ext cx="9144000" cy="1143000"/>
+          </a:xfrm>
+        </p:spPr>
+        <p:txBody>
+          <a:bodyPr anchor="ctr">
+            <a:normAutofit fontScale="90000"/>
+          </a:bodyPr>
+          <a:lstStyle/>
+          <a:p>
+            <a:pPr algn="ctr"/>
+            <a:r>
+              <a:rPr lang="en-US" dirty="0">
+                <a:latin typeface="Arial Unicode MS" panose="020B0604020202020204" pitchFamily="34" charset="-128"/>
+                <a:ea typeface="Arial Unicode MS" panose="020B0604020202020204" pitchFamily="34" charset="-128"/>
+                <a:cs typeface="Arial Unicode MS" panose="020B0604020202020204" pitchFamily="34" charset="-128"/>
+              </a:rPr>
+              <a:t>Some references on XML and JSON data management (cont.)</a:t>
+            </a:r>
+            <a:endParaRPr lang="en-US" sz="3600" b="1" dirty="0">
+              <a:latin typeface="Arial Unicode MS" panose="020B0604020202020204" pitchFamily="34" charset="-128"/>
+              <a:ea typeface="Arial Unicode MS" panose="020B0604020202020204" pitchFamily="34" charset="-128"/>
+              <a:cs typeface="Arial Unicode MS" panose="020B0604020202020204" pitchFamily="34" charset="-128"/>
+            </a:endParaRPr>
+          </a:p>
+        </p:txBody>
+      </p:sp>
+      <p:sp>
+        <p:nvSpPr>
+          <p:cNvPr id="7" name="Text Placeholder 2"/>
+          <p:cNvSpPr txBox="1">
+            <a:spLocks/>
+          </p:cNvSpPr>
+          <p:nvPr/>
+        </p:nvSpPr>
+        <p:spPr>
+          <a:xfrm>
+            <a:off x="685800" y="1219200"/>
+            <a:ext cx="8382000" cy="5638800"/>
+          </a:xfrm>
+          <a:prstGeom prst="rect">
+            <a:avLst/>
+          </a:prstGeom>
+        </p:spPr>
+        <p:txBody>
+          <a:bodyPr>
+            <a:normAutofit fontScale="70000" lnSpcReduction="20000"/>
+          </a:bodyPr>
+          <a:lstStyle>
+            <a:lvl1pPr marL="365760" indent="-283464" algn="l" eaLnBrk="1" latinLnBrk="0" hangingPunct="1">
+              <a:lnSpc>
+                <a:spcPct val="100000"/>
+              </a:lnSpc>
+              <a:spcBef>
+                <a:spcPts val="600"/>
+              </a:spcBef>
+              <a:buClr>
+                <a:schemeClr val="accent1"/>
+              </a:buClr>
+              <a:buSzPct val="80000"/>
+              <a:buFont typeface="Wingdings 2"/>
+              <a:buChar char=""/>
+              <a:defRPr kumimoji="0" sz="3000">
+                <a:latin typeface="+mn-lt"/>
+              </a:defRPr>
+            </a:lvl1pPr>
+            <a:lvl2pPr marL="640080" lvl="1" indent="-237744" algn="l" eaLnBrk="1" latinLnBrk="0" hangingPunct="1">
+              <a:lnSpc>
+                <a:spcPct val="100000"/>
+              </a:lnSpc>
+              <a:spcBef>
+                <a:spcPts val="550"/>
+              </a:spcBef>
+              <a:buClr>
+                <a:schemeClr val="accent1"/>
+              </a:buClr>
+              <a:buFont typeface="Verdana"/>
+              <a:buChar char="◦"/>
+              <a:defRPr kumimoji="0" sz="2600">
+                <a:latin typeface="+mn-lt"/>
+              </a:defRPr>
+            </a:lvl2pPr>
+            <a:lvl3pPr marL="886968" indent="-228600" algn="l" eaLnBrk="1" latinLnBrk="0" hangingPunct="1">
+              <a:lnSpc>
+                <a:spcPct val="100000"/>
+              </a:lnSpc>
+              <a:buClr>
+                <a:schemeClr val="accent2"/>
+              </a:buClr>
+              <a:buFont typeface="Wingdings 2"/>
+              <a:buChar char=""/>
+              <a:defRPr kumimoji="0" sz="2400">
+                <a:latin typeface="+mn-lt"/>
+              </a:defRPr>
+            </a:lvl3pPr>
+            <a:lvl4pPr marL="1097280" indent="-173736" algn="l" eaLnBrk="1" latinLnBrk="0" hangingPunct="1">
+              <a:lnSpc>
+                <a:spcPct val="100000"/>
+              </a:lnSpc>
+              <a:buClr>
+                <a:schemeClr val="accent3"/>
+              </a:buClr>
+              <a:buFont typeface="Wingdings 2"/>
+              <a:buChar char=""/>
+              <a:defRPr kumimoji="0" sz="2000">
+                <a:latin typeface="+mn-lt"/>
+              </a:defRPr>
+            </a:lvl4pPr>
+            <a:lvl5pPr marL="1298448" indent="-182880" algn="l" eaLnBrk="1" latinLnBrk="0" hangingPunct="1">
+              <a:lnSpc>
+                <a:spcPct val="100000"/>
+              </a:lnSpc>
+              <a:buClr>
+                <a:schemeClr val="accent4"/>
+              </a:buClr>
+              <a:buFont typeface="Wingdings 2"/>
+              <a:buChar char=""/>
+              <a:defRPr kumimoji="0" sz="2000">
+                <a:latin typeface="+mn-lt"/>
+              </a:defRPr>
+            </a:lvl5pPr>
+            <a:lvl6pPr marL="1508760" indent="-182880">
+              <a:lnSpc>
+                <a:spcPct val="100000"/>
+              </a:lnSpc>
+              <a:spcBef>
+                <a:spcPct val="20000"/>
+              </a:spcBef>
+              <a:buClr>
+                <a:schemeClr val="accent5"/>
+              </a:buClr>
+              <a:buFont typeface="Wingdings 2"/>
+              <a:buChar char=""/>
+              <a:defRPr kumimoji="0" sz="2000">
+                <a:latin typeface="+mn-lt"/>
+              </a:defRPr>
+            </a:lvl6pPr>
+            <a:lvl7pPr marL="1719072" indent="-182880">
+              <a:lnSpc>
+                <a:spcPct val="100000"/>
+              </a:lnSpc>
+              <a:spcBef>
+                <a:spcPct val="20000"/>
+              </a:spcBef>
+              <a:buClr>
+                <a:schemeClr val="accent6"/>
+              </a:buClr>
+              <a:buFont typeface="Wingdings 2"/>
+              <a:buChar char=""/>
+              <a:defRPr kumimoji="0" sz="2000">
+                <a:latin typeface="+mn-lt"/>
+              </a:defRPr>
+            </a:lvl7pPr>
+            <a:lvl8pPr marL="1920240" indent="-182880">
+              <a:lnSpc>
+                <a:spcPct val="100000"/>
+              </a:lnSpc>
+              <a:spcBef>
+                <a:spcPct val="20000"/>
+              </a:spcBef>
+              <a:buClr>
+                <a:schemeClr val="accent6"/>
+              </a:buClr>
+              <a:buFont typeface="Wingdings 2"/>
+              <a:buChar char=""/>
+              <a:defRPr kumimoji="0" sz="2000">
+                <a:latin typeface="+mn-lt"/>
+              </a:defRPr>
+            </a:lvl8pPr>
+            <a:lvl9pPr marL="2130552" indent="-182880">
+              <a:lnSpc>
+                <a:spcPct val="100000"/>
+              </a:lnSpc>
+              <a:spcBef>
+                <a:spcPct val="20000"/>
+              </a:spcBef>
+              <a:buClr>
+                <a:schemeClr val="accent6"/>
+              </a:buClr>
+              <a:buFont typeface="Wingdings 2"/>
+              <a:buChar char=""/>
+              <a:defRPr kumimoji="0" sz="2000">
+                <a:latin typeface="+mn-lt"/>
+              </a:defRPr>
+            </a:lvl9pPr>
+            <a:extLst/>
+          </a:lstStyle>
+          <a:p>
+            <a:pPr>
+              <a:lnSpc>
+                <a:spcPct val="120000"/>
+              </a:lnSpc>
+            </a:pPr>
+            <a:r>
+              <a:rPr lang="ro-RO" dirty="0">
+                <a:latin typeface="Avenir Medium"/>
+              </a:rPr>
+              <a:t>Jeremy Stanley - </a:t>
+            </a:r>
+            <a:r>
+              <a:rPr lang="ro-RO" dirty="0" err="1">
+                <a:latin typeface="Avenir Medium"/>
+              </a:rPr>
+              <a:t>Introduction</a:t>
+            </a:r>
+            <a:r>
+              <a:rPr lang="ro-RO" dirty="0">
+                <a:latin typeface="Avenir Medium"/>
+              </a:rPr>
+              <a:t> </a:t>
+            </a:r>
+            <a:r>
+              <a:rPr lang="ro-RO" dirty="0" err="1">
+                <a:latin typeface="Avenir Medium"/>
+              </a:rPr>
+              <a:t>to</a:t>
+            </a:r>
+            <a:r>
+              <a:rPr lang="ro-RO" dirty="0">
+                <a:latin typeface="Avenir Medium"/>
+              </a:rPr>
+              <a:t> </a:t>
+            </a:r>
+            <a:r>
+              <a:rPr lang="ro-RO" dirty="0" err="1">
+                <a:latin typeface="Avenir Medium"/>
+              </a:rPr>
+              <a:t>tidyjson</a:t>
+            </a:r>
+            <a:endParaRPr lang="ro-RO" dirty="0">
+              <a:latin typeface="Avenir Medium"/>
+            </a:endParaRPr>
+          </a:p>
           <a:p>
             <a:pPr marL="82296" indent="0">
               <a:lnSpc>
                 <a:spcPct val="120000"/>
               </a:lnSpc>
               <a:buNone/>
+            </a:pPr>
+            <a:r>
+              <a:rPr lang="ro-RO" dirty="0">
+                <a:latin typeface="Avenir Medium"/>
+                <a:hlinkClick r:id="rId2"/>
+              </a:rPr>
+              <a:t>https://cran.microsoft.com/snapshot/2017-08-01/web/packages/tidyjson/vignettes/introduction-to-tidyjson.html</a:t>
+            </a:r>
+            <a:endParaRPr lang="ro-RO" dirty="0">
+              <a:latin typeface="Avenir Medium"/>
+            </a:endParaRPr>
+          </a:p>
+          <a:p>
+            <a:pPr>
+              <a:lnSpc>
+                <a:spcPct val="120000"/>
+              </a:lnSpc>
+            </a:pPr>
+            <a:r>
+              <a:rPr lang="en" dirty="0">
+                <a:latin typeface="Avenir Medium"/>
+              </a:rPr>
+              <a:t>Tools for using </a:t>
+            </a:r>
+            <a:r>
+              <a:rPr lang="en" dirty="0" err="1">
+                <a:latin typeface="Avenir Medium"/>
+              </a:rPr>
+              <a:t>dplyr</a:t>
+            </a:r>
+            <a:r>
+              <a:rPr lang="en" dirty="0">
+                <a:latin typeface="Avenir Medium"/>
+              </a:rPr>
+              <a:t> with JSON data</a:t>
+            </a:r>
+          </a:p>
+          <a:p>
+            <a:pPr marL="82296" indent="0">
+              <a:lnSpc>
+                <a:spcPct val="120000"/>
+              </a:lnSpc>
+              <a:buNone/>
+            </a:pPr>
+            <a:r>
+              <a:rPr lang="ro-RO" dirty="0">
+                <a:latin typeface="Avenir Medium"/>
+                <a:hlinkClick r:id="rId3"/>
+              </a:rPr>
+              <a:t>https://github.com/sailthru/tidyjson</a:t>
+            </a:r>
+            <a:endParaRPr lang="ro-RO" dirty="0">
+              <a:latin typeface="Avenir Medium"/>
+            </a:endParaRPr>
+          </a:p>
+          <a:p>
+            <a:pPr>
+              <a:lnSpc>
+                <a:spcPct val="120000"/>
+              </a:lnSpc>
+            </a:pPr>
+            <a:r>
+              <a:rPr lang="en" dirty="0">
+                <a:latin typeface="Avenir Medium"/>
+              </a:rPr>
+              <a:t>Tony </a:t>
+            </a:r>
+            <a:r>
+              <a:rPr lang="en" dirty="0" err="1">
+                <a:latin typeface="Avenir Medium"/>
+              </a:rPr>
+              <a:t>ElHabr</a:t>
+            </a:r>
+            <a:r>
+              <a:rPr lang="en" dirty="0">
+                <a:latin typeface="Avenir Medium"/>
+              </a:rPr>
+              <a:t> - Converting nested JSON to a tidy data frame with R</a:t>
+            </a:r>
+          </a:p>
+          <a:p>
+            <a:pPr marL="82296" indent="0">
+              <a:lnSpc>
+                <a:spcPct val="120000"/>
+              </a:lnSpc>
+              <a:buNone/>
+            </a:pPr>
+            <a:r>
+              <a:rPr lang="ro-RO" dirty="0">
+                <a:latin typeface="Avenir Medium"/>
+                <a:hlinkClick r:id="rId4"/>
+              </a:rPr>
+              <a:t>https://tonyelhabr.rbind.io/post/nested-json-to-tidy-data-frame-r/</a:t>
+            </a:r>
+            <a:endParaRPr lang="ro-RO" dirty="0">
+              <a:latin typeface="Avenir Medium"/>
+            </a:endParaRPr>
+          </a:p>
+          <a:p>
+            <a:pPr>
+              <a:lnSpc>
+                <a:spcPct val="120000"/>
+              </a:lnSpc>
+            </a:pPr>
+            <a:r>
+              <a:rPr lang="en" dirty="0">
+                <a:latin typeface="Avenir Medium"/>
+              </a:rPr>
+              <a:t>A biased </a:t>
+            </a:r>
+            <a:r>
+              <a:rPr lang="en" dirty="0" err="1">
+                <a:latin typeface="Avenir Medium"/>
+              </a:rPr>
+              <a:t>comparsion</a:t>
+            </a:r>
+            <a:r>
+              <a:rPr lang="en" dirty="0">
+                <a:latin typeface="Avenir Medium"/>
+              </a:rPr>
+              <a:t> of JSON packages in R</a:t>
+            </a:r>
+          </a:p>
+          <a:p>
+            <a:pPr marL="82296" indent="0">
+              <a:lnSpc>
+                <a:spcPct val="120000"/>
+              </a:lnSpc>
+              <a:buNone/>
+            </a:pPr>
+            <a:r>
+              <a:rPr lang="ro-RO" dirty="0">
+                <a:latin typeface="Avenir Medium"/>
+                <a:hlinkClick r:id="rId5"/>
+              </a:rPr>
+              <a:t>https://rstudio-pubs-static.s3.amazonaws.com/31702_9c22e3d1a0c44968a4a1f9656f1800ab.html</a:t>
+            </a:r>
+            <a:endParaRPr lang="ro-RO" dirty="0">
+              <a:latin typeface="Avenir Medium"/>
+            </a:endParaRPr>
+          </a:p>
+          <a:p>
+            <a:pPr>
+              <a:lnSpc>
+                <a:spcPct val="120000"/>
+              </a:lnSpc>
+            </a:pPr>
+            <a:r>
+              <a:rPr lang="en" dirty="0">
+                <a:latin typeface="Avenir Medium"/>
+              </a:rPr>
+              <a:t>Drilling into non-rectangular data with </a:t>
+            </a:r>
+            <a:r>
+              <a:rPr lang="en" dirty="0" err="1">
+                <a:latin typeface="Avenir Medium"/>
+              </a:rPr>
+              <a:t>purrr</a:t>
+            </a:r>
+            <a:endParaRPr lang="ro-RO" dirty="0">
+              <a:latin typeface="Avenir Medium"/>
+            </a:endParaRPr>
+          </a:p>
+          <a:p>
+            <a:pPr marL="82296" indent="0">
+              <a:lnSpc>
+                <a:spcPct val="120000"/>
+              </a:lnSpc>
+              <a:buNone/>
+            </a:pPr>
+            <a:r>
+              <a:rPr lang="ro-RO" dirty="0">
+                <a:latin typeface="Avenir Medium"/>
+                <a:hlinkClick r:id="rId6"/>
+              </a:rPr>
+              <a:t>https://rensa.co/writing/drilling-into-non-rectangular-data-with-purrr/</a:t>
+            </a:r>
+            <a:endParaRPr lang="ro-RO" dirty="0">
+              <a:latin typeface="Avenir Medium"/>
+            </a:endParaRPr>
+          </a:p>
+          <a:p>
+            <a:pPr marL="82296" indent="0">
+              <a:lnSpc>
+                <a:spcPct val="120000"/>
+              </a:lnSpc>
+              <a:buNone/>
+            </a:pPr>
+            <a:endParaRPr lang="en" dirty="0">
+              <a:latin typeface="Avenir Medium"/>
+            </a:endParaRPr>
+          </a:p>
+          <a:p>
+            <a:pPr marL="82296" indent="0">
+              <a:lnSpc>
+                <a:spcPct val="120000"/>
+              </a:lnSpc>
+              <a:buNone/>
+            </a:pPr>
+            <a:endParaRPr lang="en-US" sz="2100" dirty="0">
+              <a:latin typeface="Avenir Medium"/>
+            </a:endParaRPr>
+          </a:p>
+          <a:p>
+            <a:pPr marL="82296" indent="0">
+              <a:lnSpc>
+                <a:spcPct val="120000"/>
+              </a:lnSpc>
+              <a:buNone/>
+            </a:pPr>
+            <a:endParaRPr lang="en-US" sz="2100" dirty="0">
+              <a:latin typeface="Avenir Medium"/>
+            </a:endParaRPr>
+          </a:p>
+          <a:p>
+            <a:pPr>
+              <a:lnSpc>
+                <a:spcPct val="120000"/>
+              </a:lnSpc>
             </a:pPr>
             <a:endParaRPr lang="en-US" dirty="0">
               <a:latin typeface="Avenir Medium"/>
@@ -6691,12 +8053,943 @@
               <a:cs typeface="Avenir Medium"/>
             </a:endParaRPr>
           </a:p>
+          <a:p>
+            <a:pPr marL="82296" indent="0">
+              <a:lnSpc>
+                <a:spcPct val="120000"/>
+              </a:lnSpc>
+              <a:buNone/>
+            </a:pPr>
+            <a:endParaRPr lang="en-US" dirty="0">
+              <a:latin typeface="Avenir Medium"/>
+              <a:cs typeface="Avenir Medium"/>
+            </a:endParaRPr>
+          </a:p>
+          <a:p>
+            <a:pPr>
+              <a:lnSpc>
+                <a:spcPct val="120000"/>
+              </a:lnSpc>
+            </a:pPr>
+            <a:endParaRPr lang="en-US" dirty="0">
+              <a:latin typeface="Avenir Medium"/>
+              <a:cs typeface="Avenir Medium"/>
+            </a:endParaRPr>
+          </a:p>
         </p:txBody>
       </p:sp>
     </p:spTree>
     <p:extLst>
       <p:ext uri="{BB962C8B-B14F-4D97-AF65-F5344CB8AC3E}">
-        <p14:creationId xmlns:p14="http://schemas.microsoft.com/office/powerpoint/2010/main" val="1547122904"/>
+        <p14:creationId xmlns:p14="http://schemas.microsoft.com/office/powerpoint/2010/main" val="3041771903"/>
+      </p:ext>
+    </p:extLst>
+  </p:cSld>
+  <p:clrMapOvr>
+    <a:masterClrMapping/>
+  </p:clrMapOvr>
+  <p:transition>
+    <p:random/>
+  </p:transition>
+</p:sld>
+</file>
+
+<file path=ppt/slides/slide8.xml><?xml version="1.0" encoding="utf-8"?>
+<p:sld xmlns:a="http://schemas.openxmlformats.org/drawingml/2006/main" xmlns:r="http://schemas.openxmlformats.org/officeDocument/2006/relationships" xmlns:p="http://schemas.openxmlformats.org/presentationml/2006/main">
+  <p:cSld>
+    <p:spTree>
+      <p:nvGrpSpPr>
+        <p:cNvPr id="1" name=""/>
+        <p:cNvGrpSpPr/>
+        <p:nvPr/>
+      </p:nvGrpSpPr>
+      <p:grpSpPr>
+        <a:xfrm>
+          <a:off x="0" y="0"/>
+          <a:ext cx="0" cy="0"/>
+          <a:chOff x="0" y="0"/>
+          <a:chExt cx="0" cy="0"/>
+        </a:xfrm>
+      </p:grpSpPr>
+      <p:sp>
+        <p:nvSpPr>
+          <p:cNvPr id="2" name="Title 1"/>
+          <p:cNvSpPr>
+            <a:spLocks noGrp="1"/>
+          </p:cNvSpPr>
+          <p:nvPr>
+            <p:ph type="title"/>
+          </p:nvPr>
+        </p:nvSpPr>
+        <p:spPr>
+          <a:xfrm>
+            <a:off x="0" y="76200"/>
+            <a:ext cx="9144000" cy="1143000"/>
+          </a:xfrm>
+        </p:spPr>
+        <p:txBody>
+          <a:bodyPr anchor="ctr">
+            <a:normAutofit/>
+          </a:bodyPr>
+          <a:lstStyle/>
+          <a:p>
+            <a:pPr algn="ctr"/>
+            <a:r>
+              <a:rPr lang="en-US" dirty="0">
+                <a:latin typeface="Arial Unicode MS" panose="020B0604020202020204" pitchFamily="34" charset="-128"/>
+                <a:ea typeface="Arial Unicode MS" panose="020B0604020202020204" pitchFamily="34" charset="-128"/>
+                <a:cs typeface="Arial Unicode MS" panose="020B0604020202020204" pitchFamily="34" charset="-128"/>
+              </a:rPr>
+              <a:t>Some references on web scraping in R</a:t>
+            </a:r>
+            <a:endParaRPr lang="en-US" sz="3600" b="1" dirty="0">
+              <a:latin typeface="Arial Unicode MS" panose="020B0604020202020204" pitchFamily="34" charset="-128"/>
+              <a:ea typeface="Arial Unicode MS" panose="020B0604020202020204" pitchFamily="34" charset="-128"/>
+              <a:cs typeface="Arial Unicode MS" panose="020B0604020202020204" pitchFamily="34" charset="-128"/>
+            </a:endParaRPr>
+          </a:p>
+        </p:txBody>
+      </p:sp>
+      <p:sp>
+        <p:nvSpPr>
+          <p:cNvPr id="7" name="Text Placeholder 2"/>
+          <p:cNvSpPr txBox="1">
+            <a:spLocks/>
+          </p:cNvSpPr>
+          <p:nvPr/>
+        </p:nvSpPr>
+        <p:spPr>
+          <a:xfrm>
+            <a:off x="685800" y="1066800"/>
+            <a:ext cx="8382000" cy="5867400"/>
+          </a:xfrm>
+          <a:prstGeom prst="rect">
+            <a:avLst/>
+          </a:prstGeom>
+        </p:spPr>
+        <p:txBody>
+          <a:bodyPr>
+            <a:normAutofit fontScale="70000" lnSpcReduction="20000"/>
+          </a:bodyPr>
+          <a:lstStyle>
+            <a:lvl1pPr marL="365760" indent="-283464" algn="l" eaLnBrk="1" latinLnBrk="0" hangingPunct="1">
+              <a:lnSpc>
+                <a:spcPct val="100000"/>
+              </a:lnSpc>
+              <a:spcBef>
+                <a:spcPts val="600"/>
+              </a:spcBef>
+              <a:buClr>
+                <a:schemeClr val="accent1"/>
+              </a:buClr>
+              <a:buSzPct val="80000"/>
+              <a:buFont typeface="Wingdings 2"/>
+              <a:buChar char=""/>
+              <a:defRPr kumimoji="0" sz="3000">
+                <a:latin typeface="+mn-lt"/>
+              </a:defRPr>
+            </a:lvl1pPr>
+            <a:lvl2pPr marL="640080" lvl="1" indent="-237744" algn="l" eaLnBrk="1" latinLnBrk="0" hangingPunct="1">
+              <a:lnSpc>
+                <a:spcPct val="100000"/>
+              </a:lnSpc>
+              <a:spcBef>
+                <a:spcPts val="550"/>
+              </a:spcBef>
+              <a:buClr>
+                <a:schemeClr val="accent1"/>
+              </a:buClr>
+              <a:buFont typeface="Verdana"/>
+              <a:buChar char="◦"/>
+              <a:defRPr kumimoji="0" sz="2600">
+                <a:latin typeface="+mn-lt"/>
+              </a:defRPr>
+            </a:lvl2pPr>
+            <a:lvl3pPr marL="886968" indent="-228600" algn="l" eaLnBrk="1" latinLnBrk="0" hangingPunct="1">
+              <a:lnSpc>
+                <a:spcPct val="100000"/>
+              </a:lnSpc>
+              <a:buClr>
+                <a:schemeClr val="accent2"/>
+              </a:buClr>
+              <a:buFont typeface="Wingdings 2"/>
+              <a:buChar char=""/>
+              <a:defRPr kumimoji="0" sz="2400">
+                <a:latin typeface="+mn-lt"/>
+              </a:defRPr>
+            </a:lvl3pPr>
+            <a:lvl4pPr marL="1097280" indent="-173736" algn="l" eaLnBrk="1" latinLnBrk="0" hangingPunct="1">
+              <a:lnSpc>
+                <a:spcPct val="100000"/>
+              </a:lnSpc>
+              <a:buClr>
+                <a:schemeClr val="accent3"/>
+              </a:buClr>
+              <a:buFont typeface="Wingdings 2"/>
+              <a:buChar char=""/>
+              <a:defRPr kumimoji="0" sz="2000">
+                <a:latin typeface="+mn-lt"/>
+              </a:defRPr>
+            </a:lvl4pPr>
+            <a:lvl5pPr marL="1298448" indent="-182880" algn="l" eaLnBrk="1" latinLnBrk="0" hangingPunct="1">
+              <a:lnSpc>
+                <a:spcPct val="100000"/>
+              </a:lnSpc>
+              <a:buClr>
+                <a:schemeClr val="accent4"/>
+              </a:buClr>
+              <a:buFont typeface="Wingdings 2"/>
+              <a:buChar char=""/>
+              <a:defRPr kumimoji="0" sz="2000">
+                <a:latin typeface="+mn-lt"/>
+              </a:defRPr>
+            </a:lvl5pPr>
+            <a:lvl6pPr marL="1508760" indent="-182880">
+              <a:lnSpc>
+                <a:spcPct val="100000"/>
+              </a:lnSpc>
+              <a:spcBef>
+                <a:spcPct val="20000"/>
+              </a:spcBef>
+              <a:buClr>
+                <a:schemeClr val="accent5"/>
+              </a:buClr>
+              <a:buFont typeface="Wingdings 2"/>
+              <a:buChar char=""/>
+              <a:defRPr kumimoji="0" sz="2000">
+                <a:latin typeface="+mn-lt"/>
+              </a:defRPr>
+            </a:lvl6pPr>
+            <a:lvl7pPr marL="1719072" indent="-182880">
+              <a:lnSpc>
+                <a:spcPct val="100000"/>
+              </a:lnSpc>
+              <a:spcBef>
+                <a:spcPct val="20000"/>
+              </a:spcBef>
+              <a:buClr>
+                <a:schemeClr val="accent6"/>
+              </a:buClr>
+              <a:buFont typeface="Wingdings 2"/>
+              <a:buChar char=""/>
+              <a:defRPr kumimoji="0" sz="2000">
+                <a:latin typeface="+mn-lt"/>
+              </a:defRPr>
+            </a:lvl7pPr>
+            <a:lvl8pPr marL="1920240" indent="-182880">
+              <a:lnSpc>
+                <a:spcPct val="100000"/>
+              </a:lnSpc>
+              <a:spcBef>
+                <a:spcPct val="20000"/>
+              </a:spcBef>
+              <a:buClr>
+                <a:schemeClr val="accent6"/>
+              </a:buClr>
+              <a:buFont typeface="Wingdings 2"/>
+              <a:buChar char=""/>
+              <a:defRPr kumimoji="0" sz="2000">
+                <a:latin typeface="+mn-lt"/>
+              </a:defRPr>
+            </a:lvl8pPr>
+            <a:lvl9pPr marL="2130552" indent="-182880">
+              <a:lnSpc>
+                <a:spcPct val="100000"/>
+              </a:lnSpc>
+              <a:spcBef>
+                <a:spcPct val="20000"/>
+              </a:spcBef>
+              <a:buClr>
+                <a:schemeClr val="accent6"/>
+              </a:buClr>
+              <a:buFont typeface="Wingdings 2"/>
+              <a:buChar char=""/>
+              <a:defRPr kumimoji="0" sz="2000">
+                <a:latin typeface="+mn-lt"/>
+              </a:defRPr>
+            </a:lvl9pPr>
+            <a:extLst/>
+          </a:lstStyle>
+          <a:p>
+            <a:pPr>
+              <a:lnSpc>
+                <a:spcPct val="120000"/>
+              </a:lnSpc>
+            </a:pPr>
+            <a:r>
+              <a:rPr lang="en" dirty="0">
+                <a:latin typeface="Avenir Medium"/>
+              </a:rPr>
+              <a:t>Getting data from the web: scraping (2018)</a:t>
+            </a:r>
+          </a:p>
+          <a:p>
+            <a:pPr marL="82296" indent="0">
+              <a:lnSpc>
+                <a:spcPct val="120000"/>
+              </a:lnSpc>
+              <a:buNone/>
+            </a:pPr>
+            <a:r>
+              <a:rPr lang="en-US" dirty="0">
+                <a:latin typeface="Avenir Medium"/>
+                <a:hlinkClick r:id="rId2"/>
+              </a:rPr>
+              <a:t>https://cfss.uchicago.edu/webdata005_scraping.html</a:t>
+            </a:r>
+            <a:endParaRPr lang="en-US" dirty="0">
+              <a:latin typeface="Avenir Medium"/>
+            </a:endParaRPr>
+          </a:p>
+          <a:p>
+            <a:pPr>
+              <a:lnSpc>
+                <a:spcPct val="120000"/>
+              </a:lnSpc>
+            </a:pPr>
+            <a:r>
+              <a:rPr lang="en-US" dirty="0">
+                <a:latin typeface="Avenir Medium"/>
+              </a:rPr>
+              <a:t>Duncan </a:t>
+            </a:r>
+            <a:r>
+              <a:rPr lang="en-US" dirty="0" err="1">
+                <a:latin typeface="Avenir Medium"/>
+              </a:rPr>
+              <a:t>Garmonsway</a:t>
+            </a:r>
+            <a:r>
+              <a:rPr lang="en-US" dirty="0">
+                <a:latin typeface="Avenir Medium"/>
+              </a:rPr>
+              <a:t> - HTML Tables (2019)</a:t>
+            </a:r>
+          </a:p>
+          <a:p>
+            <a:pPr marL="82296" indent="0">
+              <a:lnSpc>
+                <a:spcPct val="120000"/>
+              </a:lnSpc>
+              <a:buNone/>
+            </a:pPr>
+            <a:r>
+              <a:rPr lang="en-US" dirty="0">
+                <a:latin typeface="Avenir Medium"/>
+                <a:hlinkClick r:id="rId3"/>
+              </a:rPr>
+              <a:t>https://cran.r-project.org/web/packages/unpivotr/vignettes/html.html</a:t>
+            </a:r>
+            <a:endParaRPr lang="en-US" dirty="0">
+              <a:latin typeface="Avenir Medium"/>
+            </a:endParaRPr>
+          </a:p>
+          <a:p>
+            <a:pPr>
+              <a:lnSpc>
+                <a:spcPct val="120000"/>
+              </a:lnSpc>
+            </a:pPr>
+            <a:r>
+              <a:rPr lang="en-US" dirty="0">
+                <a:latin typeface="Avenir Medium"/>
+              </a:rPr>
+              <a:t>Bradley </a:t>
+            </a:r>
+            <a:r>
+              <a:rPr lang="en-US" dirty="0" err="1">
+                <a:latin typeface="Avenir Medium"/>
+              </a:rPr>
+              <a:t>Boehmke</a:t>
+            </a:r>
+            <a:r>
+              <a:rPr lang="en-US" dirty="0">
+                <a:latin typeface="Avenir Medium"/>
+              </a:rPr>
+              <a:t> - Scraping HTML Tables (2015)</a:t>
+            </a:r>
+          </a:p>
+          <a:p>
+            <a:pPr marL="82296" indent="0">
+              <a:lnSpc>
+                <a:spcPct val="120000"/>
+              </a:lnSpc>
+              <a:buNone/>
+            </a:pPr>
+            <a:r>
+              <a:rPr lang="en-US" dirty="0">
+                <a:latin typeface="Avenir Medium"/>
+                <a:hlinkClick r:id="rId4"/>
+              </a:rPr>
+              <a:t>http://bradleyboehmke.github.io/2015/12/scraping-html-tables.html</a:t>
+            </a:r>
+            <a:endParaRPr lang="en-US" dirty="0">
+              <a:latin typeface="Avenir Medium"/>
+            </a:endParaRPr>
+          </a:p>
+          <a:p>
+            <a:pPr>
+              <a:lnSpc>
+                <a:spcPct val="120000"/>
+              </a:lnSpc>
+            </a:pPr>
+            <a:r>
+              <a:rPr lang="en-US" dirty="0">
+                <a:latin typeface="Avenir Medium"/>
+              </a:rPr>
+              <a:t>Bradley </a:t>
+            </a:r>
+            <a:r>
+              <a:rPr lang="en-US" dirty="0" err="1">
+                <a:latin typeface="Avenir Medium"/>
+              </a:rPr>
+              <a:t>Boehmke</a:t>
+            </a:r>
+            <a:r>
+              <a:rPr lang="en-US" dirty="0">
+                <a:latin typeface="Avenir Medium"/>
+              </a:rPr>
+              <a:t> - Scraping HTML Text (2015)</a:t>
+            </a:r>
+          </a:p>
+          <a:p>
+            <a:pPr marL="82296" indent="0">
+              <a:lnSpc>
+                <a:spcPct val="120000"/>
+              </a:lnSpc>
+              <a:buNone/>
+            </a:pPr>
+            <a:r>
+              <a:rPr lang="en-US" dirty="0">
+                <a:latin typeface="Avenir Medium"/>
+                <a:hlinkClick r:id="rId5"/>
+              </a:rPr>
+              <a:t>http://bradleyboehmke.github.io/2015/12/scraping-html-text.html</a:t>
+            </a:r>
+            <a:endParaRPr lang="en-US" dirty="0">
+              <a:latin typeface="Avenir Medium"/>
+            </a:endParaRPr>
+          </a:p>
+          <a:p>
+            <a:pPr>
+              <a:lnSpc>
+                <a:spcPct val="120000"/>
+              </a:lnSpc>
+            </a:pPr>
+            <a:r>
+              <a:rPr lang="en-US" dirty="0">
+                <a:latin typeface="Avenir Medium"/>
+              </a:rPr>
+              <a:t>SAURAV KAUSHIK - </a:t>
+            </a:r>
+            <a:r>
+              <a:rPr lang="en" dirty="0">
+                <a:latin typeface="Avenir Medium"/>
+              </a:rPr>
+              <a:t>Beginner’s Guide on Web Scraping in R (using </a:t>
+            </a:r>
+            <a:r>
+              <a:rPr lang="en" dirty="0" err="1">
+                <a:latin typeface="Avenir Medium"/>
+              </a:rPr>
+              <a:t>rvest</a:t>
+            </a:r>
+            <a:r>
+              <a:rPr lang="en" dirty="0">
+                <a:latin typeface="Avenir Medium"/>
+              </a:rPr>
+              <a:t>) with hands-on example (2017)</a:t>
+            </a:r>
+          </a:p>
+          <a:p>
+            <a:pPr marL="82296" indent="0">
+              <a:lnSpc>
+                <a:spcPct val="120000"/>
+              </a:lnSpc>
+              <a:buNone/>
+            </a:pPr>
+            <a:r>
+              <a:rPr lang="en-US" dirty="0">
+                <a:latin typeface="Avenir Medium"/>
+                <a:hlinkClick r:id="rId6"/>
+              </a:rPr>
+              <a:t>https://www.analyticsvidhya.com/blog/2017/03/beginners-guide-on-web-scraping-in-r-using-rvest-with-hands-on-knowledge/</a:t>
+            </a:r>
+            <a:endParaRPr lang="en-US" dirty="0">
+              <a:latin typeface="Avenir Medium"/>
+            </a:endParaRPr>
+          </a:p>
+        </p:txBody>
+      </p:sp>
+    </p:spTree>
+    <p:extLst>
+      <p:ext uri="{BB962C8B-B14F-4D97-AF65-F5344CB8AC3E}">
+        <p14:creationId xmlns:p14="http://schemas.microsoft.com/office/powerpoint/2010/main" val="548290841"/>
+      </p:ext>
+    </p:extLst>
+  </p:cSld>
+  <p:clrMapOvr>
+    <a:masterClrMapping/>
+  </p:clrMapOvr>
+  <p:transition>
+    <p:random/>
+  </p:transition>
+</p:sld>
+</file>
+
+<file path=ppt/slides/slide9.xml><?xml version="1.0" encoding="utf-8"?>
+<p:sld xmlns:a="http://schemas.openxmlformats.org/drawingml/2006/main" xmlns:r="http://schemas.openxmlformats.org/officeDocument/2006/relationships" xmlns:p="http://schemas.openxmlformats.org/presentationml/2006/main">
+  <p:cSld>
+    <p:spTree>
+      <p:nvGrpSpPr>
+        <p:cNvPr id="1" name=""/>
+        <p:cNvGrpSpPr/>
+        <p:nvPr/>
+      </p:nvGrpSpPr>
+      <p:grpSpPr>
+        <a:xfrm>
+          <a:off x="0" y="0"/>
+          <a:ext cx="0" cy="0"/>
+          <a:chOff x="0" y="0"/>
+          <a:chExt cx="0" cy="0"/>
+        </a:xfrm>
+      </p:grpSpPr>
+      <p:sp>
+        <p:nvSpPr>
+          <p:cNvPr id="2" name="Title 1"/>
+          <p:cNvSpPr>
+            <a:spLocks noGrp="1"/>
+          </p:cNvSpPr>
+          <p:nvPr>
+            <p:ph type="title"/>
+          </p:nvPr>
+        </p:nvSpPr>
+        <p:spPr>
+          <a:xfrm>
+            <a:off x="0" y="76200"/>
+            <a:ext cx="9144000" cy="1143000"/>
+          </a:xfrm>
+        </p:spPr>
+        <p:txBody>
+          <a:bodyPr anchor="ctr">
+            <a:normAutofit fontScale="90000"/>
+          </a:bodyPr>
+          <a:lstStyle/>
+          <a:p>
+            <a:pPr algn="ctr"/>
+            <a:r>
+              <a:rPr lang="en-US" dirty="0">
+                <a:latin typeface="Arial Unicode MS" panose="020B0604020202020204" pitchFamily="34" charset="-128"/>
+                <a:ea typeface="Arial Unicode MS" panose="020B0604020202020204" pitchFamily="34" charset="-128"/>
+                <a:cs typeface="Arial Unicode MS" panose="020B0604020202020204" pitchFamily="34" charset="-128"/>
+              </a:rPr>
+              <a:t>Some references on web scraping in R (cont.)</a:t>
+            </a:r>
+            <a:endParaRPr lang="en-US" sz="3600" b="1" dirty="0">
+              <a:latin typeface="Arial Unicode MS" panose="020B0604020202020204" pitchFamily="34" charset="-128"/>
+              <a:ea typeface="Arial Unicode MS" panose="020B0604020202020204" pitchFamily="34" charset="-128"/>
+              <a:cs typeface="Arial Unicode MS" panose="020B0604020202020204" pitchFamily="34" charset="-128"/>
+            </a:endParaRPr>
+          </a:p>
+        </p:txBody>
+      </p:sp>
+      <p:sp>
+        <p:nvSpPr>
+          <p:cNvPr id="7" name="Text Placeholder 2"/>
+          <p:cNvSpPr txBox="1">
+            <a:spLocks/>
+          </p:cNvSpPr>
+          <p:nvPr/>
+        </p:nvSpPr>
+        <p:spPr>
+          <a:xfrm>
+            <a:off x="685800" y="1219200"/>
+            <a:ext cx="8382000" cy="5715000"/>
+          </a:xfrm>
+          <a:prstGeom prst="rect">
+            <a:avLst/>
+          </a:prstGeom>
+        </p:spPr>
+        <p:txBody>
+          <a:bodyPr>
+            <a:normAutofit fontScale="70000" lnSpcReduction="20000"/>
+          </a:bodyPr>
+          <a:lstStyle>
+            <a:lvl1pPr marL="365760" indent="-283464" algn="l" eaLnBrk="1" latinLnBrk="0" hangingPunct="1">
+              <a:lnSpc>
+                <a:spcPct val="100000"/>
+              </a:lnSpc>
+              <a:spcBef>
+                <a:spcPts val="600"/>
+              </a:spcBef>
+              <a:buClr>
+                <a:schemeClr val="accent1"/>
+              </a:buClr>
+              <a:buSzPct val="80000"/>
+              <a:buFont typeface="Wingdings 2"/>
+              <a:buChar char=""/>
+              <a:defRPr kumimoji="0" sz="3000">
+                <a:latin typeface="+mn-lt"/>
+              </a:defRPr>
+            </a:lvl1pPr>
+            <a:lvl2pPr marL="640080" lvl="1" indent="-237744" algn="l" eaLnBrk="1" latinLnBrk="0" hangingPunct="1">
+              <a:lnSpc>
+                <a:spcPct val="100000"/>
+              </a:lnSpc>
+              <a:spcBef>
+                <a:spcPts val="550"/>
+              </a:spcBef>
+              <a:buClr>
+                <a:schemeClr val="accent1"/>
+              </a:buClr>
+              <a:buFont typeface="Verdana"/>
+              <a:buChar char="◦"/>
+              <a:defRPr kumimoji="0" sz="2600">
+                <a:latin typeface="+mn-lt"/>
+              </a:defRPr>
+            </a:lvl2pPr>
+            <a:lvl3pPr marL="886968" indent="-228600" algn="l" eaLnBrk="1" latinLnBrk="0" hangingPunct="1">
+              <a:lnSpc>
+                <a:spcPct val="100000"/>
+              </a:lnSpc>
+              <a:buClr>
+                <a:schemeClr val="accent2"/>
+              </a:buClr>
+              <a:buFont typeface="Wingdings 2"/>
+              <a:buChar char=""/>
+              <a:defRPr kumimoji="0" sz="2400">
+                <a:latin typeface="+mn-lt"/>
+              </a:defRPr>
+            </a:lvl3pPr>
+            <a:lvl4pPr marL="1097280" indent="-173736" algn="l" eaLnBrk="1" latinLnBrk="0" hangingPunct="1">
+              <a:lnSpc>
+                <a:spcPct val="100000"/>
+              </a:lnSpc>
+              <a:buClr>
+                <a:schemeClr val="accent3"/>
+              </a:buClr>
+              <a:buFont typeface="Wingdings 2"/>
+              <a:buChar char=""/>
+              <a:defRPr kumimoji="0" sz="2000">
+                <a:latin typeface="+mn-lt"/>
+              </a:defRPr>
+            </a:lvl4pPr>
+            <a:lvl5pPr marL="1298448" indent="-182880" algn="l" eaLnBrk="1" latinLnBrk="0" hangingPunct="1">
+              <a:lnSpc>
+                <a:spcPct val="100000"/>
+              </a:lnSpc>
+              <a:buClr>
+                <a:schemeClr val="accent4"/>
+              </a:buClr>
+              <a:buFont typeface="Wingdings 2"/>
+              <a:buChar char=""/>
+              <a:defRPr kumimoji="0" sz="2000">
+                <a:latin typeface="+mn-lt"/>
+              </a:defRPr>
+            </a:lvl5pPr>
+            <a:lvl6pPr marL="1508760" indent="-182880">
+              <a:lnSpc>
+                <a:spcPct val="100000"/>
+              </a:lnSpc>
+              <a:spcBef>
+                <a:spcPct val="20000"/>
+              </a:spcBef>
+              <a:buClr>
+                <a:schemeClr val="accent5"/>
+              </a:buClr>
+              <a:buFont typeface="Wingdings 2"/>
+              <a:buChar char=""/>
+              <a:defRPr kumimoji="0" sz="2000">
+                <a:latin typeface="+mn-lt"/>
+              </a:defRPr>
+            </a:lvl6pPr>
+            <a:lvl7pPr marL="1719072" indent="-182880">
+              <a:lnSpc>
+                <a:spcPct val="100000"/>
+              </a:lnSpc>
+              <a:spcBef>
+                <a:spcPct val="20000"/>
+              </a:spcBef>
+              <a:buClr>
+                <a:schemeClr val="accent6"/>
+              </a:buClr>
+              <a:buFont typeface="Wingdings 2"/>
+              <a:buChar char=""/>
+              <a:defRPr kumimoji="0" sz="2000">
+                <a:latin typeface="+mn-lt"/>
+              </a:defRPr>
+            </a:lvl7pPr>
+            <a:lvl8pPr marL="1920240" indent="-182880">
+              <a:lnSpc>
+                <a:spcPct val="100000"/>
+              </a:lnSpc>
+              <a:spcBef>
+                <a:spcPct val="20000"/>
+              </a:spcBef>
+              <a:buClr>
+                <a:schemeClr val="accent6"/>
+              </a:buClr>
+              <a:buFont typeface="Wingdings 2"/>
+              <a:buChar char=""/>
+              <a:defRPr kumimoji="0" sz="2000">
+                <a:latin typeface="+mn-lt"/>
+              </a:defRPr>
+            </a:lvl8pPr>
+            <a:lvl9pPr marL="2130552" indent="-182880">
+              <a:lnSpc>
+                <a:spcPct val="100000"/>
+              </a:lnSpc>
+              <a:spcBef>
+                <a:spcPct val="20000"/>
+              </a:spcBef>
+              <a:buClr>
+                <a:schemeClr val="accent6"/>
+              </a:buClr>
+              <a:buFont typeface="Wingdings 2"/>
+              <a:buChar char=""/>
+              <a:defRPr kumimoji="0" sz="2000">
+                <a:latin typeface="+mn-lt"/>
+              </a:defRPr>
+            </a:lvl9pPr>
+            <a:extLst/>
+          </a:lstStyle>
+          <a:p>
+            <a:pPr>
+              <a:lnSpc>
+                <a:spcPct val="120000"/>
+              </a:lnSpc>
+            </a:pPr>
+            <a:r>
+              <a:rPr lang="en-US" dirty="0">
+                <a:latin typeface="Avenir Medium"/>
+              </a:rPr>
+              <a:t>Ken Van Loon - </a:t>
+            </a:r>
+            <a:r>
+              <a:rPr lang="en" dirty="0">
+                <a:latin typeface="Avenir Medium"/>
+              </a:rPr>
+              <a:t> An introduction to web scraping methods (2017)</a:t>
+            </a:r>
+            <a:endParaRPr lang="en-US" dirty="0">
+              <a:latin typeface="Avenir Medium"/>
+            </a:endParaRPr>
+          </a:p>
+          <a:p>
+            <a:pPr marL="82296" indent="0">
+              <a:lnSpc>
+                <a:spcPct val="120000"/>
+              </a:lnSpc>
+              <a:buNone/>
+            </a:pPr>
+            <a:r>
+              <a:rPr lang="en-US" dirty="0">
+                <a:latin typeface="Avenir Medium"/>
+                <a:hlinkClick r:id="rId2"/>
+              </a:rPr>
+              <a:t>https://unstats.un.org/bigdata/taskteams/scannerdata/workshops/Presentation_webscraping_Bogota_Statistics%20Belgium.pdf</a:t>
+            </a:r>
+            <a:endParaRPr lang="en-US" dirty="0">
+              <a:latin typeface="Avenir Medium"/>
+            </a:endParaRPr>
+          </a:p>
+          <a:p>
+            <a:pPr>
+              <a:lnSpc>
+                <a:spcPct val="120000"/>
+              </a:lnSpc>
+            </a:pPr>
+            <a:r>
+              <a:rPr lang="en-US" dirty="0">
+                <a:latin typeface="Avenir Medium"/>
+              </a:rPr>
+              <a:t>Ryan Thomas - </a:t>
+            </a:r>
+            <a:r>
+              <a:rPr lang="en-US" dirty="0" err="1">
+                <a:latin typeface="Avenir Medium"/>
+              </a:rPr>
+              <a:t>Webscraping</a:t>
+            </a:r>
+            <a:r>
+              <a:rPr lang="en-US" dirty="0">
+                <a:latin typeface="Avenir Medium"/>
+              </a:rPr>
+              <a:t> in R (2017)</a:t>
+            </a:r>
+          </a:p>
+          <a:p>
+            <a:pPr marL="82296" indent="0">
+              <a:lnSpc>
+                <a:spcPct val="120000"/>
+              </a:lnSpc>
+              <a:buNone/>
+            </a:pPr>
+            <a:r>
+              <a:rPr lang="en-US" dirty="0">
+                <a:latin typeface="Avenir Medium"/>
+                <a:hlinkClick r:id="rId3"/>
+              </a:rPr>
+              <a:t>https://rpubs.com/ryanthomas/webscraping-with-rvest</a:t>
+            </a:r>
+            <a:endParaRPr lang="en-US" dirty="0">
+              <a:latin typeface="Avenir Medium"/>
+            </a:endParaRPr>
+          </a:p>
+          <a:p>
+            <a:pPr>
+              <a:lnSpc>
+                <a:spcPct val="120000"/>
+              </a:lnSpc>
+            </a:pPr>
+            <a:r>
+              <a:rPr lang="en" dirty="0">
+                <a:latin typeface="Avenir Medium"/>
+              </a:rPr>
+              <a:t>Justin Law and Jordan </a:t>
+            </a:r>
+            <a:r>
+              <a:rPr lang="en" dirty="0" err="1">
+                <a:latin typeface="Avenir Medium"/>
+              </a:rPr>
+              <a:t>Rosenblumrvest</a:t>
+            </a:r>
+            <a:r>
+              <a:rPr lang="en" dirty="0">
+                <a:latin typeface="Avenir Medium"/>
+              </a:rPr>
+              <a:t> tutorial: scraping the web using R (2015)</a:t>
+            </a:r>
+          </a:p>
+          <a:p>
+            <a:pPr marL="82296" indent="0">
+              <a:lnSpc>
+                <a:spcPct val="120000"/>
+              </a:lnSpc>
+              <a:buNone/>
+            </a:pPr>
+            <a:r>
+              <a:rPr lang="en-US" dirty="0">
+                <a:latin typeface="Avenir Medium"/>
+                <a:hlinkClick r:id="rId4"/>
+              </a:rPr>
+              <a:t>https://stat4701.github.io/edav/2015/04/02/rvest_tutorial/</a:t>
+            </a:r>
+            <a:endParaRPr lang="en-US" dirty="0">
+              <a:latin typeface="Avenir Medium"/>
+            </a:endParaRPr>
+          </a:p>
+          <a:p>
+            <a:pPr>
+              <a:lnSpc>
+                <a:spcPct val="120000"/>
+              </a:lnSpc>
+            </a:pPr>
+            <a:r>
+              <a:rPr lang="en-US" dirty="0">
+                <a:latin typeface="Avenir Medium"/>
+              </a:rPr>
+              <a:t>R Studio Webinars - 32-Web-Scraping </a:t>
+            </a:r>
+            <a:r>
+              <a:rPr lang="en-US" dirty="0">
+                <a:latin typeface="Avenir Medium"/>
+                <a:cs typeface="Avenir Medium"/>
+                <a:hlinkClick r:id="rId5"/>
+              </a:rPr>
+              <a:t>https://github.com/rstudio/webinars/tree/master/32-Web-Scraping</a:t>
+            </a:r>
+            <a:endParaRPr lang="en-US" dirty="0">
+              <a:latin typeface="Avenir Medium"/>
+              <a:cs typeface="Avenir Medium"/>
+            </a:endParaRPr>
+          </a:p>
+          <a:p>
+            <a:pPr>
+              <a:lnSpc>
+                <a:spcPct val="120000"/>
+              </a:lnSpc>
+            </a:pPr>
+            <a:r>
+              <a:rPr lang="en-US" dirty="0" err="1">
+                <a:latin typeface="Avenir Medium"/>
+                <a:cs typeface="Avenir Medium"/>
+              </a:rPr>
+              <a:t>Arvid</a:t>
+            </a:r>
+            <a:r>
+              <a:rPr lang="en-US" dirty="0">
+                <a:latin typeface="Avenir Medium"/>
+                <a:cs typeface="Avenir Medium"/>
+              </a:rPr>
+              <a:t> </a:t>
+            </a:r>
+            <a:r>
+              <a:rPr lang="en-US" dirty="0" err="1">
+                <a:latin typeface="Avenir Medium"/>
+                <a:cs typeface="Avenir Medium"/>
+              </a:rPr>
+              <a:t>Kingl</a:t>
+            </a:r>
+            <a:r>
+              <a:rPr lang="en-US" dirty="0">
+                <a:latin typeface="Avenir Medium"/>
+                <a:cs typeface="Avenir Medium"/>
+              </a:rPr>
+              <a:t> - Web Scraping in R: </a:t>
+            </a:r>
+            <a:r>
+              <a:rPr lang="en-US" dirty="0" err="1">
+                <a:latin typeface="Avenir Medium"/>
+                <a:cs typeface="Avenir Medium"/>
+              </a:rPr>
+              <a:t>rvest</a:t>
+            </a:r>
+            <a:r>
+              <a:rPr lang="en-US" dirty="0">
+                <a:latin typeface="Avenir Medium"/>
+                <a:cs typeface="Avenir Medium"/>
+              </a:rPr>
+              <a:t> Tutorial</a:t>
+            </a:r>
+          </a:p>
+          <a:p>
+            <a:pPr marL="82296" indent="0">
+              <a:lnSpc>
+                <a:spcPct val="120000"/>
+              </a:lnSpc>
+              <a:buNone/>
+            </a:pPr>
+            <a:r>
+              <a:rPr lang="en-US" dirty="0">
+                <a:latin typeface="Avenir Medium"/>
+                <a:cs typeface="Avenir Medium"/>
+                <a:hlinkClick r:id="rId6"/>
+              </a:rPr>
+              <a:t>https://www.datacamp.com/community/tutorials/r-web-scraping-rvest</a:t>
+            </a:r>
+            <a:endParaRPr lang="en-US" dirty="0">
+              <a:latin typeface="Avenir Medium"/>
+              <a:cs typeface="Avenir Medium"/>
+            </a:endParaRPr>
+          </a:p>
+          <a:p>
+            <a:pPr>
+              <a:lnSpc>
+                <a:spcPct val="120000"/>
+              </a:lnSpc>
+            </a:pPr>
+            <a:endParaRPr lang="en-US" dirty="0">
+              <a:latin typeface="Avenir Medium"/>
+              <a:cs typeface="Avenir Medium"/>
+            </a:endParaRPr>
+          </a:p>
+        </p:txBody>
+      </p:sp>
+    </p:spTree>
+    <p:extLst>
+      <p:ext uri="{BB962C8B-B14F-4D97-AF65-F5344CB8AC3E}">
+        <p14:creationId xmlns:p14="http://schemas.microsoft.com/office/powerpoint/2010/main" val="4289260624"/>
       </p:ext>
     </p:extLst>
   </p:cSld>

--- a/06 XML- JSON- Web Scrapping- APIs/06_html_xml_json__web_scrap__apis.pptx
+++ b/06 XML- JSON- Web Scrapping- APIs/06_html_xml_json__web_scrap__apis.pptx
@@ -4531,20 +4531,39 @@
               <a:defRPr/>
             </a:pPr>
             <a:r>
-              <a:rPr lang="en-US" sz="5400" b="1" dirty="0">
+              <a:rPr lang="en-US" sz="4800" dirty="0">
                 <a:latin typeface="Calisto MT" pitchFamily="18" charset="0"/>
                 <a:ea typeface="Batang" pitchFamily="18" charset="-127"/>
               </a:rPr>
-              <a:t>Data Analysis &amp; </a:t>
-            </a:r>
-            <a:r>
-              <a:rPr lang="en-US" sz="5400" b="1">
+              <a:t>Data </a:t>
+            </a:r>
+            <a:br>
+              <a:rPr lang="en-US" sz="4800" dirty="0">
                 <a:latin typeface="Calisto MT" pitchFamily="18" charset="0"/>
                 <a:ea typeface="Batang" pitchFamily="18" charset="-127"/>
               </a:rPr>
-              <a:t>Data Science with R</a:t>
-            </a:r>
-            <a:endParaRPr sz="5400" b="1" dirty="0">
+            </a:br>
+            <a:r>
+              <a:rPr lang="en-US" sz="4800" dirty="0">
+                <a:latin typeface="Calisto MT" pitchFamily="18" charset="0"/>
+                <a:ea typeface="Batang" pitchFamily="18" charset="-127"/>
+              </a:rPr>
+              <a:t>Processing/Analysis/Science </a:t>
+            </a:r>
+            <a:br>
+              <a:rPr lang="en-US" sz="4800" dirty="0">
+                <a:latin typeface="Calisto MT" pitchFamily="18" charset="0"/>
+                <a:ea typeface="Batang" pitchFamily="18" charset="-127"/>
+              </a:rPr>
+            </a:br>
+            <a:r>
+              <a:rPr lang="en-US" sz="4800" dirty="0">
+                <a:latin typeface="Calisto MT" pitchFamily="18" charset="0"/>
+                <a:ea typeface="Batang" pitchFamily="18" charset="-127"/>
+              </a:rPr>
+              <a:t>with R</a:t>
+            </a:r>
+            <a:endParaRPr sz="4800" b="1" dirty="0">
               <a:latin typeface="Calisto MT" pitchFamily="18" charset="0"/>
               <a:ea typeface="Batang" pitchFamily="18" charset="-127"/>
             </a:endParaRPr>

--- a/06 XML- JSON- Web Scrapping- APIs/06_html_xml_json__web_scrap__apis.pptx
+++ b/06 XML- JSON- Web Scrapping- APIs/06_html_xml_json__web_scrap__apis.pptx
@@ -5599,7 +5599,7 @@
         </p:spPr>
         <p:txBody>
           <a:bodyPr>
-            <a:normAutofit lnSpcReduction="10000"/>
+            <a:normAutofit fontScale="92500"/>
           </a:bodyPr>
           <a:lstStyle/>
           <a:p>
@@ -5668,7 +5668,7 @@
                 <a:ea typeface="Avenir Book" charset="0"/>
                 <a:cs typeface="Avenir Book" charset="0"/>
               </a:rPr>
-              <a:t>Import and manage simple XML files with `XML`/`XML2` packages</a:t>
+              <a:t>Import and manage XML files with `XML`/`XML2` packages</a:t>
             </a:r>
           </a:p>
           <a:p>
@@ -5679,7 +5679,7 @@
                 <a:ea typeface="Avenir Book" charset="0"/>
                 <a:cs typeface="Avenir Book" charset="0"/>
               </a:rPr>
-              <a:t>Import and manage simple XML files with `</a:t>
+              <a:t>Import and manage XML files with `</a:t>
             </a:r>
             <a:r>
               <a:rPr lang="en-US" b="1" dirty="0" err="1">
@@ -5687,7 +5687,7 @@
                 <a:ea typeface="Avenir Book" charset="0"/>
                 <a:cs typeface="Avenir Book" charset="0"/>
               </a:rPr>
-              <a:t>flatxml</a:t>
+              <a:t>xmlconvert</a:t>
             </a:r>
             <a:r>
               <a:rPr lang="en-US" b="1" dirty="0">
@@ -5695,7 +5695,45 @@
                 <a:ea typeface="Avenir Book" charset="0"/>
                 <a:cs typeface="Avenir Book" charset="0"/>
               </a:rPr>
-              <a:t>` package                                 </a:t>
+              <a:t>` package</a:t>
+            </a:r>
+          </a:p>
+          <a:p>
+            <a:pPr lvl="1"/>
+            <a:r>
+              <a:rPr lang="en-US" b="1" dirty="0">
+                <a:latin typeface="Avenir Book" charset="0"/>
+                <a:ea typeface="Avenir Book" charset="0"/>
+                <a:cs typeface="Avenir Book" charset="0"/>
+              </a:rPr>
+              <a:t>Import and manage XML files with `xml2relational` package </a:t>
+            </a:r>
+          </a:p>
+          <a:p>
+            <a:pPr lvl="1"/>
+            <a:r>
+              <a:rPr lang="en-US" b="1" dirty="0">
+                <a:latin typeface="Avenir Book" charset="0"/>
+                <a:ea typeface="Avenir Book" charset="0"/>
+                <a:cs typeface="Avenir Book" charset="0"/>
+              </a:rPr>
+              <a:t>Import and manage XML files with `</a:t>
+            </a:r>
+            <a:r>
+              <a:rPr lang="en-US" b="1" dirty="0" err="1">
+                <a:latin typeface="Avenir Book" charset="0"/>
+                <a:ea typeface="Avenir Book" charset="0"/>
+                <a:cs typeface="Avenir Book" charset="0"/>
+              </a:rPr>
+              <a:t>flatxml</a:t>
+            </a:r>
+            <a:r>
+              <a:rPr lang="en-US" b="1" dirty="0">
+                <a:latin typeface="Avenir Book" charset="0"/>
+                <a:ea typeface="Avenir Book" charset="0"/>
+                <a:cs typeface="Avenir Book" charset="0"/>
+              </a:rPr>
+              <a:t>` package                       </a:t>
             </a:r>
           </a:p>
           <a:p>
